--- a/Präsentation.pptx
+++ b/Präsentation.pptx
@@ -4,11 +4,23 @@
   <p:sldMasterIdLst>
     <p:sldMasterId id="2147483648" r:id="rId1"/>
   </p:sldMasterIdLst>
+  <p:notesMasterIdLst>
+    <p:notesMasterId r:id="rId15"/>
+  </p:notesMasterIdLst>
   <p:sldIdLst>
     <p:sldId id="256" r:id="rId2"/>
     <p:sldId id="257" r:id="rId3"/>
     <p:sldId id="258" r:id="rId4"/>
     <p:sldId id="259" r:id="rId5"/>
+    <p:sldId id="261" r:id="rId6"/>
+    <p:sldId id="264" r:id="rId7"/>
+    <p:sldId id="263" r:id="rId8"/>
+    <p:sldId id="265" r:id="rId9"/>
+    <p:sldId id="260" r:id="rId10"/>
+    <p:sldId id="266" r:id="rId11"/>
+    <p:sldId id="267" r:id="rId12"/>
+    <p:sldId id="268" r:id="rId13"/>
+    <p:sldId id="269" r:id="rId14"/>
   </p:sldIdLst>
   <p:sldSz cx="12192000" cy="6858000"/>
   <p:notesSz cx="6858000" cy="9144000"/>
@@ -108,6 +120,901 @@
     </a:lvl9pPr>
   </p:defaultTextStyle>
 </p:presentation>
+</file>
+
+<file path=ppt/notesMasters/notesMaster1.xml><?xml version="1.0" encoding="utf-8"?>
+<p:notesMaster xmlns:a="http://schemas.openxmlformats.org/drawingml/2006/main" xmlns:r="http://schemas.openxmlformats.org/officeDocument/2006/relationships" xmlns:p="http://schemas.openxmlformats.org/presentationml/2006/main">
+  <p:cSld>
+    <p:bg>
+      <p:bgRef idx="1001">
+        <a:schemeClr val="bg1"/>
+      </p:bgRef>
+    </p:bg>
+    <p:spTree>
+      <p:nvGrpSpPr>
+        <p:cNvPr id="1" name=""/>
+        <p:cNvGrpSpPr/>
+        <p:nvPr/>
+      </p:nvGrpSpPr>
+      <p:grpSpPr>
+        <a:xfrm>
+          <a:off x="0" y="0"/>
+          <a:ext cx="0" cy="0"/>
+          <a:chOff x="0" y="0"/>
+          <a:chExt cx="0" cy="0"/>
+        </a:xfrm>
+      </p:grpSpPr>
+      <p:sp>
+        <p:nvSpPr>
+          <p:cNvPr id="2" name="Kopfzeilenplatzhalter 1"/>
+          <p:cNvSpPr>
+            <a:spLocks noGrp="1"/>
+          </p:cNvSpPr>
+          <p:nvPr>
+            <p:ph type="hdr" sz="quarter"/>
+          </p:nvPr>
+        </p:nvSpPr>
+        <p:spPr>
+          <a:xfrm>
+            <a:off x="0" y="0"/>
+            <a:ext cx="2971800" cy="458788"/>
+          </a:xfrm>
+          <a:prstGeom prst="rect">
+            <a:avLst/>
+          </a:prstGeom>
+        </p:spPr>
+        <p:txBody>
+          <a:bodyPr vert="horz" lIns="91440" tIns="45720" rIns="91440" bIns="45720" rtlCol="0"/>
+          <a:lstStyle>
+            <a:lvl1pPr algn="l">
+              <a:defRPr sz="1200"/>
+            </a:lvl1pPr>
+          </a:lstStyle>
+          <a:p>
+            <a:endParaRPr lang="de-DE"/>
+          </a:p>
+        </p:txBody>
+      </p:sp>
+      <p:sp>
+        <p:nvSpPr>
+          <p:cNvPr id="3" name="Datumsplatzhalter 2"/>
+          <p:cNvSpPr>
+            <a:spLocks noGrp="1"/>
+          </p:cNvSpPr>
+          <p:nvPr>
+            <p:ph type="dt" idx="1"/>
+          </p:nvPr>
+        </p:nvSpPr>
+        <p:spPr>
+          <a:xfrm>
+            <a:off x="3884613" y="0"/>
+            <a:ext cx="2971800" cy="458788"/>
+          </a:xfrm>
+          <a:prstGeom prst="rect">
+            <a:avLst/>
+          </a:prstGeom>
+        </p:spPr>
+        <p:txBody>
+          <a:bodyPr vert="horz" lIns="91440" tIns="45720" rIns="91440" bIns="45720" rtlCol="0"/>
+          <a:lstStyle>
+            <a:lvl1pPr algn="r">
+              <a:defRPr sz="1200"/>
+            </a:lvl1pPr>
+          </a:lstStyle>
+          <a:p>
+            <a:fld id="{85B4188C-DA1F-4C2F-A8ED-945BE056EB98}" type="datetimeFigureOut">
+              <a:rPr lang="de-DE" smtClean="0"/>
+              <a:t>29.01.2023</a:t>
+            </a:fld>
+            <a:endParaRPr lang="de-DE"/>
+          </a:p>
+        </p:txBody>
+      </p:sp>
+      <p:sp>
+        <p:nvSpPr>
+          <p:cNvPr id="4" name="Folienbildplatzhalter 3"/>
+          <p:cNvSpPr>
+            <a:spLocks noGrp="1" noRot="1" noChangeAspect="1"/>
+          </p:cNvSpPr>
+          <p:nvPr>
+            <p:ph type="sldImg" idx="2"/>
+          </p:nvPr>
+        </p:nvSpPr>
+        <p:spPr>
+          <a:xfrm>
+            <a:off x="685800" y="1143000"/>
+            <a:ext cx="5486400" cy="3086100"/>
+          </a:xfrm>
+          <a:prstGeom prst="rect">
+            <a:avLst/>
+          </a:prstGeom>
+          <a:noFill/>
+          <a:ln w="12700">
+            <a:solidFill>
+              <a:prstClr val="black"/>
+            </a:solidFill>
+          </a:ln>
+        </p:spPr>
+        <p:txBody>
+          <a:bodyPr vert="horz" lIns="91440" tIns="45720" rIns="91440" bIns="45720" rtlCol="0" anchor="ctr"/>
+          <a:lstStyle/>
+          <a:p>
+            <a:endParaRPr lang="de-DE"/>
+          </a:p>
+        </p:txBody>
+      </p:sp>
+      <p:sp>
+        <p:nvSpPr>
+          <p:cNvPr id="5" name="Notizenplatzhalter 4"/>
+          <p:cNvSpPr>
+            <a:spLocks noGrp="1"/>
+          </p:cNvSpPr>
+          <p:nvPr>
+            <p:ph type="body" sz="quarter" idx="3"/>
+          </p:nvPr>
+        </p:nvSpPr>
+        <p:spPr>
+          <a:xfrm>
+            <a:off x="685800" y="4400550"/>
+            <a:ext cx="5486400" cy="3600450"/>
+          </a:xfrm>
+          <a:prstGeom prst="rect">
+            <a:avLst/>
+          </a:prstGeom>
+        </p:spPr>
+        <p:txBody>
+          <a:bodyPr vert="horz" lIns="91440" tIns="45720" rIns="91440" bIns="45720" rtlCol="0"/>
+          <a:lstStyle/>
+          <a:p>
+            <a:pPr lvl="0"/>
+            <a:r>
+              <a:rPr lang="de-DE"/>
+              <a:t>Mastertextformat bearbeiten</a:t>
+            </a:r>
+          </a:p>
+          <a:p>
+            <a:pPr lvl="1"/>
+            <a:r>
+              <a:rPr lang="de-DE"/>
+              <a:t>Zweite Ebene</a:t>
+            </a:r>
+          </a:p>
+          <a:p>
+            <a:pPr lvl="2"/>
+            <a:r>
+              <a:rPr lang="de-DE"/>
+              <a:t>Dritte Ebene</a:t>
+            </a:r>
+          </a:p>
+          <a:p>
+            <a:pPr lvl="3"/>
+            <a:r>
+              <a:rPr lang="de-DE"/>
+              <a:t>Vierte Ebene</a:t>
+            </a:r>
+          </a:p>
+          <a:p>
+            <a:pPr lvl="4"/>
+            <a:r>
+              <a:rPr lang="de-DE"/>
+              <a:t>Fünfte Ebene</a:t>
+            </a:r>
+          </a:p>
+        </p:txBody>
+      </p:sp>
+      <p:sp>
+        <p:nvSpPr>
+          <p:cNvPr id="6" name="Fußzeilenplatzhalter 5"/>
+          <p:cNvSpPr>
+            <a:spLocks noGrp="1"/>
+          </p:cNvSpPr>
+          <p:nvPr>
+            <p:ph type="ftr" sz="quarter" idx="4"/>
+          </p:nvPr>
+        </p:nvSpPr>
+        <p:spPr>
+          <a:xfrm>
+            <a:off x="0" y="8685213"/>
+            <a:ext cx="2971800" cy="458787"/>
+          </a:xfrm>
+          <a:prstGeom prst="rect">
+            <a:avLst/>
+          </a:prstGeom>
+        </p:spPr>
+        <p:txBody>
+          <a:bodyPr vert="horz" lIns="91440" tIns="45720" rIns="91440" bIns="45720" rtlCol="0" anchor="b"/>
+          <a:lstStyle>
+            <a:lvl1pPr algn="l">
+              <a:defRPr sz="1200"/>
+            </a:lvl1pPr>
+          </a:lstStyle>
+          <a:p>
+            <a:endParaRPr lang="de-DE"/>
+          </a:p>
+        </p:txBody>
+      </p:sp>
+      <p:sp>
+        <p:nvSpPr>
+          <p:cNvPr id="7" name="Foliennummernplatzhalter 6"/>
+          <p:cNvSpPr>
+            <a:spLocks noGrp="1"/>
+          </p:cNvSpPr>
+          <p:nvPr>
+            <p:ph type="sldNum" sz="quarter" idx="5"/>
+          </p:nvPr>
+        </p:nvSpPr>
+        <p:spPr>
+          <a:xfrm>
+            <a:off x="3884613" y="8685213"/>
+            <a:ext cx="2971800" cy="458787"/>
+          </a:xfrm>
+          <a:prstGeom prst="rect">
+            <a:avLst/>
+          </a:prstGeom>
+        </p:spPr>
+        <p:txBody>
+          <a:bodyPr vert="horz" lIns="91440" tIns="45720" rIns="91440" bIns="45720" rtlCol="0" anchor="b"/>
+          <a:lstStyle>
+            <a:lvl1pPr algn="r">
+              <a:defRPr sz="1200"/>
+            </a:lvl1pPr>
+          </a:lstStyle>
+          <a:p>
+            <a:fld id="{C970839B-7108-494E-8846-D1A7167A8ACF}" type="slidenum">
+              <a:rPr lang="de-DE" smtClean="0"/>
+              <a:t>‹Nr.›</a:t>
+            </a:fld>
+            <a:endParaRPr lang="de-DE"/>
+          </a:p>
+        </p:txBody>
+      </p:sp>
+    </p:spTree>
+    <p:extLst>
+      <p:ext uri="{BB962C8B-B14F-4D97-AF65-F5344CB8AC3E}">
+        <p14:creationId xmlns:p14="http://schemas.microsoft.com/office/powerpoint/2010/main" val="304766343"/>
+      </p:ext>
+    </p:extLst>
+  </p:cSld>
+  <p:clrMap bg1="lt1" tx1="dk1" bg2="lt2" tx2="dk2" accent1="accent1" accent2="accent2" accent3="accent3" accent4="accent4" accent5="accent5" accent6="accent6" hlink="hlink" folHlink="folHlink"/>
+  <p:notesStyle>
+    <a:lvl1pPr marL="0" algn="l" defTabSz="914400" rtl="0" eaLnBrk="1" latinLnBrk="0" hangingPunct="1">
+      <a:defRPr sz="1200" kern="1200">
+        <a:solidFill>
+          <a:schemeClr val="tx1"/>
+        </a:solidFill>
+        <a:latin typeface="+mn-lt"/>
+        <a:ea typeface="+mn-ea"/>
+        <a:cs typeface="+mn-cs"/>
+      </a:defRPr>
+    </a:lvl1pPr>
+    <a:lvl2pPr marL="457200" algn="l" defTabSz="914400" rtl="0" eaLnBrk="1" latinLnBrk="0" hangingPunct="1">
+      <a:defRPr sz="1200" kern="1200">
+        <a:solidFill>
+          <a:schemeClr val="tx1"/>
+        </a:solidFill>
+        <a:latin typeface="+mn-lt"/>
+        <a:ea typeface="+mn-ea"/>
+        <a:cs typeface="+mn-cs"/>
+      </a:defRPr>
+    </a:lvl2pPr>
+    <a:lvl3pPr marL="914400" algn="l" defTabSz="914400" rtl="0" eaLnBrk="1" latinLnBrk="0" hangingPunct="1">
+      <a:defRPr sz="1200" kern="1200">
+        <a:solidFill>
+          <a:schemeClr val="tx1"/>
+        </a:solidFill>
+        <a:latin typeface="+mn-lt"/>
+        <a:ea typeface="+mn-ea"/>
+        <a:cs typeface="+mn-cs"/>
+      </a:defRPr>
+    </a:lvl3pPr>
+    <a:lvl4pPr marL="1371600" algn="l" defTabSz="914400" rtl="0" eaLnBrk="1" latinLnBrk="0" hangingPunct="1">
+      <a:defRPr sz="1200" kern="1200">
+        <a:solidFill>
+          <a:schemeClr val="tx1"/>
+        </a:solidFill>
+        <a:latin typeface="+mn-lt"/>
+        <a:ea typeface="+mn-ea"/>
+        <a:cs typeface="+mn-cs"/>
+      </a:defRPr>
+    </a:lvl4pPr>
+    <a:lvl5pPr marL="1828800" algn="l" defTabSz="914400" rtl="0" eaLnBrk="1" latinLnBrk="0" hangingPunct="1">
+      <a:defRPr sz="1200" kern="1200">
+        <a:solidFill>
+          <a:schemeClr val="tx1"/>
+        </a:solidFill>
+        <a:latin typeface="+mn-lt"/>
+        <a:ea typeface="+mn-ea"/>
+        <a:cs typeface="+mn-cs"/>
+      </a:defRPr>
+    </a:lvl5pPr>
+    <a:lvl6pPr marL="2286000" algn="l" defTabSz="914400" rtl="0" eaLnBrk="1" latinLnBrk="0" hangingPunct="1">
+      <a:defRPr sz="1200" kern="1200">
+        <a:solidFill>
+          <a:schemeClr val="tx1"/>
+        </a:solidFill>
+        <a:latin typeface="+mn-lt"/>
+        <a:ea typeface="+mn-ea"/>
+        <a:cs typeface="+mn-cs"/>
+      </a:defRPr>
+    </a:lvl6pPr>
+    <a:lvl7pPr marL="2743200" algn="l" defTabSz="914400" rtl="0" eaLnBrk="1" latinLnBrk="0" hangingPunct="1">
+      <a:defRPr sz="1200" kern="1200">
+        <a:solidFill>
+          <a:schemeClr val="tx1"/>
+        </a:solidFill>
+        <a:latin typeface="+mn-lt"/>
+        <a:ea typeface="+mn-ea"/>
+        <a:cs typeface="+mn-cs"/>
+      </a:defRPr>
+    </a:lvl7pPr>
+    <a:lvl8pPr marL="3200400" algn="l" defTabSz="914400" rtl="0" eaLnBrk="1" latinLnBrk="0" hangingPunct="1">
+      <a:defRPr sz="1200" kern="1200">
+        <a:solidFill>
+          <a:schemeClr val="tx1"/>
+        </a:solidFill>
+        <a:latin typeface="+mn-lt"/>
+        <a:ea typeface="+mn-ea"/>
+        <a:cs typeface="+mn-cs"/>
+      </a:defRPr>
+    </a:lvl8pPr>
+    <a:lvl9pPr marL="3657600" algn="l" defTabSz="914400" rtl="0" eaLnBrk="1" latinLnBrk="0" hangingPunct="1">
+      <a:defRPr sz="1200" kern="1200">
+        <a:solidFill>
+          <a:schemeClr val="tx1"/>
+        </a:solidFill>
+        <a:latin typeface="+mn-lt"/>
+        <a:ea typeface="+mn-ea"/>
+        <a:cs typeface="+mn-cs"/>
+      </a:defRPr>
+    </a:lvl9pPr>
+  </p:notesStyle>
+</p:notesMaster>
+</file>
+
+<file path=ppt/notesSlides/notesSlide1.xml><?xml version="1.0" encoding="utf-8"?>
+<p:notes xmlns:a="http://schemas.openxmlformats.org/drawingml/2006/main" xmlns:r="http://schemas.openxmlformats.org/officeDocument/2006/relationships" xmlns:p="http://schemas.openxmlformats.org/presentationml/2006/main">
+  <p:cSld>
+    <p:spTree>
+      <p:nvGrpSpPr>
+        <p:cNvPr id="1" name=""/>
+        <p:cNvGrpSpPr/>
+        <p:nvPr/>
+      </p:nvGrpSpPr>
+      <p:grpSpPr>
+        <a:xfrm>
+          <a:off x="0" y="0"/>
+          <a:ext cx="0" cy="0"/>
+          <a:chOff x="0" y="0"/>
+          <a:chExt cx="0" cy="0"/>
+        </a:xfrm>
+      </p:grpSpPr>
+      <p:sp>
+        <p:nvSpPr>
+          <p:cNvPr id="2" name="Folienbildplatzhalter 1"/>
+          <p:cNvSpPr>
+            <a:spLocks noGrp="1" noRot="1" noChangeAspect="1"/>
+          </p:cNvSpPr>
+          <p:nvPr>
+            <p:ph type="sldImg"/>
+          </p:nvPr>
+        </p:nvSpPr>
+        <p:spPr/>
+      </p:sp>
+      <p:sp>
+        <p:nvSpPr>
+          <p:cNvPr id="3" name="Notizenplatzhalter 2"/>
+          <p:cNvSpPr>
+            <a:spLocks noGrp="1"/>
+          </p:cNvSpPr>
+          <p:nvPr>
+            <p:ph type="body" idx="1"/>
+          </p:nvPr>
+        </p:nvSpPr>
+        <p:spPr/>
+        <p:txBody>
+          <a:bodyPr/>
+          <a:lstStyle/>
+          <a:p>
+            <a:pPr algn="l"/>
+            <a:r>
+              <a:rPr lang="de-DE" b="1" i="0" dirty="0">
+                <a:solidFill>
+                  <a:srgbClr val="24292F"/>
+                </a:solidFill>
+                <a:effectLst/>
+                <a:latin typeface="-apple-system"/>
+              </a:rPr>
+              <a:t>Helga</a:t>
+            </a:r>
+          </a:p>
+          <a:p>
+            <a:pPr algn="l"/>
+            <a:r>
+              <a:rPr lang="de-DE" b="0" i="0" dirty="0">
+                <a:solidFill>
+                  <a:srgbClr val="24292F"/>
+                </a:solidFill>
+                <a:effectLst/>
+                <a:latin typeface="-apple-system"/>
+              </a:rPr>
+              <a:t>Die 78-jährige Helga und ihr Mann Günther (79 Jahre) wollen den Samstag Nachmittag in der Stadt verbringen und ein neues Parfum für Helga kaufen. Da es nun das neue Ticketsystem der SWT gibt, wollen sie es damit versuchen. Am Anfang werden sie aufgefordert ihre Verbindung raus zu suchen. Sie geben also ihren Wohnort als Start und den Parfum-Laden als Zielort an und klicken auf „Suchen“. Nun werden ihnen die verschiedenen Verbindungen angezeigt, sie können sich die passende auswählen und direkt auf „Kaufen“ klicken. Sie bekommen eine E-Mail und können sie auf dem Smartphone öffnen. Nun sehen sie ihr Ticket auf dem Smartphone und können es so einfach dem Schaffner vorzeigen. Am Ende sind beide glücklich, dass das Kaufen des Tickets so einfach funktioniert hat.</a:t>
+            </a:r>
+          </a:p>
+          <a:p>
+            <a:endParaRPr lang="de-DE" dirty="0"/>
+          </a:p>
+        </p:txBody>
+      </p:sp>
+      <p:sp>
+        <p:nvSpPr>
+          <p:cNvPr id="4" name="Foliennummernplatzhalter 3"/>
+          <p:cNvSpPr>
+            <a:spLocks noGrp="1"/>
+          </p:cNvSpPr>
+          <p:nvPr>
+            <p:ph type="sldNum" sz="quarter" idx="5"/>
+          </p:nvPr>
+        </p:nvSpPr>
+        <p:spPr/>
+        <p:txBody>
+          <a:bodyPr/>
+          <a:lstStyle/>
+          <a:p>
+            <a:fld id="{C970839B-7108-494E-8846-D1A7167A8ACF}" type="slidenum">
+              <a:rPr lang="de-DE" smtClean="0"/>
+              <a:t>3</a:t>
+            </a:fld>
+            <a:endParaRPr lang="de-DE"/>
+          </a:p>
+        </p:txBody>
+      </p:sp>
+    </p:spTree>
+    <p:extLst>
+      <p:ext uri="{BB962C8B-B14F-4D97-AF65-F5344CB8AC3E}">
+        <p14:creationId xmlns:p14="http://schemas.microsoft.com/office/powerpoint/2010/main" val="1280097190"/>
+      </p:ext>
+    </p:extLst>
+  </p:cSld>
+  <p:clrMapOvr>
+    <a:masterClrMapping/>
+  </p:clrMapOvr>
+</p:notes>
+</file>
+
+<file path=ppt/notesSlides/notesSlide2.xml><?xml version="1.0" encoding="utf-8"?>
+<p:notes xmlns:a="http://schemas.openxmlformats.org/drawingml/2006/main" xmlns:r="http://schemas.openxmlformats.org/officeDocument/2006/relationships" xmlns:p="http://schemas.openxmlformats.org/presentationml/2006/main">
+  <p:cSld>
+    <p:spTree>
+      <p:nvGrpSpPr>
+        <p:cNvPr id="1" name=""/>
+        <p:cNvGrpSpPr/>
+        <p:nvPr/>
+      </p:nvGrpSpPr>
+      <p:grpSpPr>
+        <a:xfrm>
+          <a:off x="0" y="0"/>
+          <a:ext cx="0" cy="0"/>
+          <a:chOff x="0" y="0"/>
+          <a:chExt cx="0" cy="0"/>
+        </a:xfrm>
+      </p:grpSpPr>
+      <p:sp>
+        <p:nvSpPr>
+          <p:cNvPr id="2" name="Folienbildplatzhalter 1"/>
+          <p:cNvSpPr>
+            <a:spLocks noGrp="1" noRot="1" noChangeAspect="1"/>
+          </p:cNvSpPr>
+          <p:nvPr>
+            <p:ph type="sldImg"/>
+          </p:nvPr>
+        </p:nvSpPr>
+        <p:spPr/>
+      </p:sp>
+      <p:sp>
+        <p:nvSpPr>
+          <p:cNvPr id="3" name="Notizenplatzhalter 2"/>
+          <p:cNvSpPr>
+            <a:spLocks noGrp="1"/>
+          </p:cNvSpPr>
+          <p:nvPr>
+            <p:ph type="body" idx="1"/>
+          </p:nvPr>
+        </p:nvSpPr>
+        <p:spPr/>
+        <p:txBody>
+          <a:bodyPr/>
+          <a:lstStyle/>
+          <a:p>
+            <a:pPr algn="l"/>
+            <a:r>
+              <a:rPr lang="de-DE" b="1" i="0" dirty="0">
+                <a:solidFill>
+                  <a:srgbClr val="24292F"/>
+                </a:solidFill>
+                <a:effectLst/>
+                <a:latin typeface="-apple-system"/>
+              </a:rPr>
+              <a:t>Peter</a:t>
+            </a:r>
+          </a:p>
+          <a:p>
+            <a:pPr algn="l"/>
+            <a:r>
+              <a:rPr lang="de-DE" b="0" i="0" dirty="0">
+                <a:solidFill>
+                  <a:srgbClr val="24292F"/>
+                </a:solidFill>
+                <a:effectLst/>
+                <a:latin typeface="-apple-system"/>
+              </a:rPr>
+              <a:t>Als SWT-Administrator möchte Peter ein möglichst effizientes System, mit dem er schnell und einfach seine Aufgaben erledigen kann. Durch die Inflation passen die SWT zurzeit sehr häufig Preise an, weshalb es Peter wichtig ist, dass Funktionen, die er als Administrator hat, leicht aufrufbar und anpassbar sind. Das heißt, dass Peter gerne ein System benutzen möchte, welches eine gute </a:t>
+            </a:r>
+            <a:r>
+              <a:rPr lang="de-DE" b="0" i="0" dirty="0" err="1">
+                <a:solidFill>
+                  <a:srgbClr val="24292F"/>
+                </a:solidFill>
+                <a:effectLst/>
+                <a:latin typeface="-apple-system"/>
+              </a:rPr>
+              <a:t>Learnability</a:t>
+            </a:r>
+            <a:r>
+              <a:rPr lang="de-DE" b="0" i="0" dirty="0">
+                <a:solidFill>
+                  <a:srgbClr val="24292F"/>
+                </a:solidFill>
+                <a:effectLst/>
+                <a:latin typeface="-apple-system"/>
+              </a:rPr>
+              <a:t>, sowie Effizienz aufweist.</a:t>
+            </a:r>
+          </a:p>
+          <a:p>
+            <a:endParaRPr lang="de-DE" dirty="0"/>
+          </a:p>
+        </p:txBody>
+      </p:sp>
+      <p:sp>
+        <p:nvSpPr>
+          <p:cNvPr id="4" name="Foliennummernplatzhalter 3"/>
+          <p:cNvSpPr>
+            <a:spLocks noGrp="1"/>
+          </p:cNvSpPr>
+          <p:nvPr>
+            <p:ph type="sldNum" sz="quarter" idx="5"/>
+          </p:nvPr>
+        </p:nvSpPr>
+        <p:spPr/>
+        <p:txBody>
+          <a:bodyPr/>
+          <a:lstStyle/>
+          <a:p>
+            <a:fld id="{C970839B-7108-494E-8846-D1A7167A8ACF}" type="slidenum">
+              <a:rPr lang="de-DE" smtClean="0"/>
+              <a:t>4</a:t>
+            </a:fld>
+            <a:endParaRPr lang="de-DE"/>
+          </a:p>
+        </p:txBody>
+      </p:sp>
+    </p:spTree>
+    <p:extLst>
+      <p:ext uri="{BB962C8B-B14F-4D97-AF65-F5344CB8AC3E}">
+        <p14:creationId xmlns:p14="http://schemas.microsoft.com/office/powerpoint/2010/main" val="3152452562"/>
+      </p:ext>
+    </p:extLst>
+  </p:cSld>
+  <p:clrMapOvr>
+    <a:masterClrMapping/>
+  </p:clrMapOvr>
+</p:notes>
+</file>
+
+<file path=ppt/notesSlides/notesSlide3.xml><?xml version="1.0" encoding="utf-8"?>
+<p:notes xmlns:a="http://schemas.openxmlformats.org/drawingml/2006/main" xmlns:r="http://schemas.openxmlformats.org/officeDocument/2006/relationships" xmlns:p="http://schemas.openxmlformats.org/presentationml/2006/main">
+  <p:cSld>
+    <p:spTree>
+      <p:nvGrpSpPr>
+        <p:cNvPr id="1" name=""/>
+        <p:cNvGrpSpPr/>
+        <p:nvPr/>
+      </p:nvGrpSpPr>
+      <p:grpSpPr>
+        <a:xfrm>
+          <a:off x="0" y="0"/>
+          <a:ext cx="0" cy="0"/>
+          <a:chOff x="0" y="0"/>
+          <a:chExt cx="0" cy="0"/>
+        </a:xfrm>
+      </p:grpSpPr>
+      <p:sp>
+        <p:nvSpPr>
+          <p:cNvPr id="2" name="Folienbildplatzhalter 1"/>
+          <p:cNvSpPr>
+            <a:spLocks noGrp="1" noRot="1" noChangeAspect="1"/>
+          </p:cNvSpPr>
+          <p:nvPr>
+            <p:ph type="sldImg"/>
+          </p:nvPr>
+        </p:nvSpPr>
+        <p:spPr/>
+      </p:sp>
+      <p:sp>
+        <p:nvSpPr>
+          <p:cNvPr id="3" name="Notizenplatzhalter 2"/>
+          <p:cNvSpPr>
+            <a:spLocks noGrp="1"/>
+          </p:cNvSpPr>
+          <p:nvPr>
+            <p:ph type="body" idx="1"/>
+          </p:nvPr>
+        </p:nvSpPr>
+        <p:spPr/>
+        <p:txBody>
+          <a:bodyPr/>
+          <a:lstStyle/>
+          <a:p>
+            <a:r>
+              <a:rPr lang="de-DE" dirty="0">
+                <a:sym typeface="Wingdings" panose="05000000000000000000" pitchFamily="2" charset="2"/>
+              </a:rPr>
+              <a:t> Sowohl bei Nutzer*innen als auch bei Administrator*innen </a:t>
+            </a:r>
+            <a:r>
+              <a:rPr lang="de-DE" u="sng" dirty="0">
+                <a:sym typeface="Wingdings" panose="05000000000000000000" pitchFamily="2" charset="2"/>
+              </a:rPr>
+              <a:t>alle</a:t>
+            </a:r>
+            <a:r>
+              <a:rPr lang="de-DE" u="none" dirty="0">
+                <a:sym typeface="Wingdings" panose="05000000000000000000" pitchFamily="2" charset="2"/>
+              </a:rPr>
+              <a:t> Usability-Ziele beachten und nicht nur jene, die hier aufgelistet sind</a:t>
+            </a:r>
+            <a:endParaRPr lang="de-DE" u="sng" dirty="0"/>
+          </a:p>
+        </p:txBody>
+      </p:sp>
+      <p:sp>
+        <p:nvSpPr>
+          <p:cNvPr id="4" name="Foliennummernplatzhalter 3"/>
+          <p:cNvSpPr>
+            <a:spLocks noGrp="1"/>
+          </p:cNvSpPr>
+          <p:nvPr>
+            <p:ph type="sldNum" sz="quarter" idx="5"/>
+          </p:nvPr>
+        </p:nvSpPr>
+        <p:spPr/>
+        <p:txBody>
+          <a:bodyPr/>
+          <a:lstStyle/>
+          <a:p>
+            <a:fld id="{C970839B-7108-494E-8846-D1A7167A8ACF}" type="slidenum">
+              <a:rPr lang="de-DE" smtClean="0"/>
+              <a:t>11</a:t>
+            </a:fld>
+            <a:endParaRPr lang="de-DE"/>
+          </a:p>
+        </p:txBody>
+      </p:sp>
+    </p:spTree>
+    <p:extLst>
+      <p:ext uri="{BB962C8B-B14F-4D97-AF65-F5344CB8AC3E}">
+        <p14:creationId xmlns:p14="http://schemas.microsoft.com/office/powerpoint/2010/main" val="3367442533"/>
+      </p:ext>
+    </p:extLst>
+  </p:cSld>
+  <p:clrMapOvr>
+    <a:masterClrMapping/>
+  </p:clrMapOvr>
+</p:notes>
+</file>
+
+<file path=ppt/notesSlides/notesSlide4.xml><?xml version="1.0" encoding="utf-8"?>
+<p:notes xmlns:a="http://schemas.openxmlformats.org/drawingml/2006/main" xmlns:r="http://schemas.openxmlformats.org/officeDocument/2006/relationships" xmlns:p="http://schemas.openxmlformats.org/presentationml/2006/main">
+  <p:cSld>
+    <p:spTree>
+      <p:nvGrpSpPr>
+        <p:cNvPr id="1" name=""/>
+        <p:cNvGrpSpPr/>
+        <p:nvPr/>
+      </p:nvGrpSpPr>
+      <p:grpSpPr>
+        <a:xfrm>
+          <a:off x="0" y="0"/>
+          <a:ext cx="0" cy="0"/>
+          <a:chOff x="0" y="0"/>
+          <a:chExt cx="0" cy="0"/>
+        </a:xfrm>
+      </p:grpSpPr>
+      <p:sp>
+        <p:nvSpPr>
+          <p:cNvPr id="2" name="Folienbildplatzhalter 1"/>
+          <p:cNvSpPr>
+            <a:spLocks noGrp="1" noRot="1" noChangeAspect="1"/>
+          </p:cNvSpPr>
+          <p:nvPr>
+            <p:ph type="sldImg"/>
+          </p:nvPr>
+        </p:nvSpPr>
+        <p:spPr/>
+      </p:sp>
+      <p:sp>
+        <p:nvSpPr>
+          <p:cNvPr id="3" name="Notizenplatzhalter 2"/>
+          <p:cNvSpPr>
+            <a:spLocks noGrp="1"/>
+          </p:cNvSpPr>
+          <p:nvPr>
+            <p:ph type="body" idx="1"/>
+          </p:nvPr>
+        </p:nvSpPr>
+        <p:spPr/>
+        <p:txBody>
+          <a:bodyPr/>
+          <a:lstStyle/>
+          <a:p>
+            <a:r>
+              <a:rPr lang="de-DE" dirty="0">
+                <a:sym typeface="Wingdings" panose="05000000000000000000" pitchFamily="2" charset="2"/>
+              </a:rPr>
+              <a:t> Sowohl bei Nutzer*innen als auch bei Administrator*innen </a:t>
+            </a:r>
+            <a:r>
+              <a:rPr lang="de-DE" u="sng" dirty="0">
+                <a:sym typeface="Wingdings" panose="05000000000000000000" pitchFamily="2" charset="2"/>
+              </a:rPr>
+              <a:t>alle</a:t>
+            </a:r>
+            <a:r>
+              <a:rPr lang="de-DE" u="none" dirty="0">
+                <a:sym typeface="Wingdings" panose="05000000000000000000" pitchFamily="2" charset="2"/>
+              </a:rPr>
+              <a:t> Usability-Ziele beachten und nicht nur jene, die hier aufgelistet sind</a:t>
+            </a:r>
+            <a:endParaRPr lang="de-DE" u="sng" dirty="0"/>
+          </a:p>
+        </p:txBody>
+      </p:sp>
+      <p:sp>
+        <p:nvSpPr>
+          <p:cNvPr id="4" name="Foliennummernplatzhalter 3"/>
+          <p:cNvSpPr>
+            <a:spLocks noGrp="1"/>
+          </p:cNvSpPr>
+          <p:nvPr>
+            <p:ph type="sldNum" sz="quarter" idx="5"/>
+          </p:nvPr>
+        </p:nvSpPr>
+        <p:spPr/>
+        <p:txBody>
+          <a:bodyPr/>
+          <a:lstStyle/>
+          <a:p>
+            <a:fld id="{C970839B-7108-494E-8846-D1A7167A8ACF}" type="slidenum">
+              <a:rPr lang="de-DE" smtClean="0"/>
+              <a:t>12</a:t>
+            </a:fld>
+            <a:endParaRPr lang="de-DE"/>
+          </a:p>
+        </p:txBody>
+      </p:sp>
+    </p:spTree>
+    <p:extLst>
+      <p:ext uri="{BB962C8B-B14F-4D97-AF65-F5344CB8AC3E}">
+        <p14:creationId xmlns:p14="http://schemas.microsoft.com/office/powerpoint/2010/main" val="548843125"/>
+      </p:ext>
+    </p:extLst>
+  </p:cSld>
+  <p:clrMapOvr>
+    <a:masterClrMapping/>
+  </p:clrMapOvr>
+</p:notes>
+</file>
+
+<file path=ppt/notesSlides/notesSlide5.xml><?xml version="1.0" encoding="utf-8"?>
+<p:notes xmlns:a="http://schemas.openxmlformats.org/drawingml/2006/main" xmlns:r="http://schemas.openxmlformats.org/officeDocument/2006/relationships" xmlns:p="http://schemas.openxmlformats.org/presentationml/2006/main">
+  <p:cSld>
+    <p:spTree>
+      <p:nvGrpSpPr>
+        <p:cNvPr id="1" name=""/>
+        <p:cNvGrpSpPr/>
+        <p:nvPr/>
+      </p:nvGrpSpPr>
+      <p:grpSpPr>
+        <a:xfrm>
+          <a:off x="0" y="0"/>
+          <a:ext cx="0" cy="0"/>
+          <a:chOff x="0" y="0"/>
+          <a:chExt cx="0" cy="0"/>
+        </a:xfrm>
+      </p:grpSpPr>
+      <p:sp>
+        <p:nvSpPr>
+          <p:cNvPr id="2" name="Folienbildplatzhalter 1"/>
+          <p:cNvSpPr>
+            <a:spLocks noGrp="1" noRot="1" noChangeAspect="1"/>
+          </p:cNvSpPr>
+          <p:nvPr>
+            <p:ph type="sldImg"/>
+          </p:nvPr>
+        </p:nvSpPr>
+        <p:spPr/>
+      </p:sp>
+      <p:sp>
+        <p:nvSpPr>
+          <p:cNvPr id="3" name="Notizenplatzhalter 2"/>
+          <p:cNvSpPr>
+            <a:spLocks noGrp="1"/>
+          </p:cNvSpPr>
+          <p:nvPr>
+            <p:ph type="body" idx="1"/>
+          </p:nvPr>
+        </p:nvSpPr>
+        <p:spPr/>
+        <p:txBody>
+          <a:bodyPr/>
+          <a:lstStyle/>
+          <a:p>
+            <a:r>
+              <a:rPr lang="de-DE" dirty="0">
+                <a:sym typeface="Wingdings" panose="05000000000000000000" pitchFamily="2" charset="2"/>
+              </a:rPr>
+              <a:t> Sowohl bei Nutzer*innen als auch bei Administrator*innen </a:t>
+            </a:r>
+            <a:r>
+              <a:rPr lang="de-DE" u="sng" dirty="0">
+                <a:sym typeface="Wingdings" panose="05000000000000000000" pitchFamily="2" charset="2"/>
+              </a:rPr>
+              <a:t>alle</a:t>
+            </a:r>
+            <a:r>
+              <a:rPr lang="de-DE" u="none" dirty="0">
+                <a:sym typeface="Wingdings" panose="05000000000000000000" pitchFamily="2" charset="2"/>
+              </a:rPr>
+              <a:t> Usability-Ziele beachten und nicht nur jene, die hier aufgelistet sind</a:t>
+            </a:r>
+            <a:endParaRPr lang="de-DE" u="sng" dirty="0"/>
+          </a:p>
+        </p:txBody>
+      </p:sp>
+      <p:sp>
+        <p:nvSpPr>
+          <p:cNvPr id="4" name="Foliennummernplatzhalter 3"/>
+          <p:cNvSpPr>
+            <a:spLocks noGrp="1"/>
+          </p:cNvSpPr>
+          <p:nvPr>
+            <p:ph type="sldNum" sz="quarter" idx="5"/>
+          </p:nvPr>
+        </p:nvSpPr>
+        <p:spPr/>
+        <p:txBody>
+          <a:bodyPr/>
+          <a:lstStyle/>
+          <a:p>
+            <a:fld id="{C970839B-7108-494E-8846-D1A7167A8ACF}" type="slidenum">
+              <a:rPr lang="de-DE" smtClean="0"/>
+              <a:t>13</a:t>
+            </a:fld>
+            <a:endParaRPr lang="de-DE"/>
+          </a:p>
+        </p:txBody>
+      </p:sp>
+    </p:spTree>
+    <p:extLst>
+      <p:ext uri="{BB962C8B-B14F-4D97-AF65-F5344CB8AC3E}">
+        <p14:creationId xmlns:p14="http://schemas.microsoft.com/office/powerpoint/2010/main" val="3722789700"/>
+      </p:ext>
+    </p:extLst>
+  </p:cSld>
+  <p:clrMapOvr>
+    <a:masterClrMapping/>
+  </p:clrMapOvr>
+</p:notes>
 </file>
 
 <file path=ppt/slideLayouts/slideLayout1.xml><?xml version="1.0" encoding="utf-8"?>
@@ -3345,36 +4252,60 @@
           <a:bodyPr/>
           <a:lstStyle/>
           <a:p>
+            <a:r>
+              <a:rPr lang="de-DE" dirty="0">
+                <a:latin typeface="Trebuchet MS" panose="020B0603020202020204" pitchFamily="34" charset="0"/>
+              </a:rPr>
+              <a:t>HCI-Projekt</a:t>
+            </a:r>
+          </a:p>
+        </p:txBody>
+      </p:sp>
+      <p:sp>
+        <p:nvSpPr>
+          <p:cNvPr id="3" name="Untertitel 2">
+            <a:extLst>
+              <a:ext uri="{FF2B5EF4-FFF2-40B4-BE49-F238E27FC236}">
+                <a16:creationId xmlns:a16="http://schemas.microsoft.com/office/drawing/2014/main" id="{DEE8338F-3854-8D74-0D6A-1469702B2E0B}"/>
+              </a:ext>
+            </a:extLst>
+          </p:cNvPr>
+          <p:cNvSpPr>
+            <a:spLocks noGrp="1"/>
+          </p:cNvSpPr>
+          <p:nvPr>
+            <p:ph type="subTitle" idx="1"/>
+          </p:nvPr>
+        </p:nvSpPr>
+        <p:spPr>
+          <a:xfrm>
+            <a:off x="1524000" y="4369980"/>
+            <a:ext cx="9144000" cy="1365657"/>
+          </a:xfrm>
+        </p:spPr>
+        <p:txBody>
+          <a:bodyPr/>
+          <a:lstStyle/>
+          <a:p>
+            <a:r>
+              <a:rPr lang="de-DE" dirty="0">
+                <a:latin typeface="Trebuchet MS" panose="020B0603020202020204" pitchFamily="34" charset="0"/>
+              </a:rPr>
+              <a:t>Gruppe 1: Jessica Schiffer, Fabian Sponholz, Jana Ziegler</a:t>
+            </a:r>
+          </a:p>
+          <a:p>
             <a:endParaRPr lang="de-DE" dirty="0">
               <a:latin typeface="Trebuchet MS" panose="020B0603020202020204" pitchFamily="34" charset="0"/>
             </a:endParaRPr>
           </a:p>
-        </p:txBody>
-      </p:sp>
-      <p:sp>
-        <p:nvSpPr>
-          <p:cNvPr id="3" name="Untertitel 2">
-            <a:extLst>
-              <a:ext uri="{FF2B5EF4-FFF2-40B4-BE49-F238E27FC236}">
-                <a16:creationId xmlns:a16="http://schemas.microsoft.com/office/drawing/2014/main" id="{DEE8338F-3854-8D74-0D6A-1469702B2E0B}"/>
-              </a:ext>
-            </a:extLst>
-          </p:cNvPr>
-          <p:cNvSpPr>
-            <a:spLocks noGrp="1"/>
-          </p:cNvSpPr>
-          <p:nvPr>
-            <p:ph type="subTitle" idx="1"/>
-          </p:nvPr>
-        </p:nvSpPr>
-        <p:spPr/>
-        <p:txBody>
-          <a:bodyPr/>
-          <a:lstStyle/>
-          <a:p>
-            <a:endParaRPr lang="de-DE" dirty="0">
-              <a:latin typeface="Trebuchet MS" panose="020B0603020202020204" pitchFamily="34" charset="0"/>
-            </a:endParaRPr>
+          <a:p>
+            <a:r>
+              <a:rPr lang="de-DE" sz="1800" dirty="0">
+                <a:latin typeface="Trebuchet MS" panose="020B0603020202020204" pitchFamily="34" charset="0"/>
+              </a:rPr>
+              <a:t>02.02.2023</a:t>
+            </a:r>
           </a:p>
         </p:txBody>
       </p:sp>
@@ -3382,6 +4313,515 @@
     <p:extLst>
       <p:ext uri="{BB962C8B-B14F-4D97-AF65-F5344CB8AC3E}">
         <p14:creationId xmlns:p14="http://schemas.microsoft.com/office/powerpoint/2010/main" val="1284037586"/>
+      </p:ext>
+    </p:extLst>
+  </p:cSld>
+  <p:clrMapOvr>
+    <a:masterClrMapping/>
+  </p:clrMapOvr>
+</p:sld>
+</file>
+
+<file path=ppt/slides/slide10.xml><?xml version="1.0" encoding="utf-8"?>
+<p:sld xmlns:a="http://schemas.openxmlformats.org/drawingml/2006/main" xmlns:r="http://schemas.openxmlformats.org/officeDocument/2006/relationships" xmlns:p="http://schemas.openxmlformats.org/presentationml/2006/main">
+  <p:cSld>
+    <p:spTree>
+      <p:nvGrpSpPr>
+        <p:cNvPr id="1" name=""/>
+        <p:cNvGrpSpPr/>
+        <p:nvPr/>
+      </p:nvGrpSpPr>
+      <p:grpSpPr>
+        <a:xfrm>
+          <a:off x="0" y="0"/>
+          <a:ext cx="0" cy="0"/>
+          <a:chOff x="0" y="0"/>
+          <a:chExt cx="0" cy="0"/>
+        </a:xfrm>
+      </p:grpSpPr>
+      <p:sp>
+        <p:nvSpPr>
+          <p:cNvPr id="2" name="Titel 1">
+            <a:extLst>
+              <a:ext uri="{FF2B5EF4-FFF2-40B4-BE49-F238E27FC236}">
+                <a16:creationId xmlns:a16="http://schemas.microsoft.com/office/drawing/2014/main" id="{3D304680-AFA4-1D67-B620-9A8C329A26E8}"/>
+              </a:ext>
+            </a:extLst>
+          </p:cNvPr>
+          <p:cNvSpPr>
+            <a:spLocks noGrp="1"/>
+          </p:cNvSpPr>
+          <p:nvPr>
+            <p:ph type="title"/>
+          </p:nvPr>
+        </p:nvSpPr>
+        <p:spPr/>
+        <p:txBody>
+          <a:bodyPr>
+            <a:normAutofit/>
+          </a:bodyPr>
+          <a:lstStyle/>
+          <a:p>
+            <a:r>
+              <a:rPr lang="de-DE" sz="4000" dirty="0">
+                <a:latin typeface="Trebuchet MS" panose="020B0603020202020204" pitchFamily="34" charset="0"/>
+              </a:rPr>
+              <a:t>Usability-Ziele – Nutzer*in</a:t>
+            </a:r>
+          </a:p>
+        </p:txBody>
+      </p:sp>
+      <p:sp>
+        <p:nvSpPr>
+          <p:cNvPr id="3" name="Inhaltsplatzhalter 2">
+            <a:extLst>
+              <a:ext uri="{FF2B5EF4-FFF2-40B4-BE49-F238E27FC236}">
+                <a16:creationId xmlns:a16="http://schemas.microsoft.com/office/drawing/2014/main" id="{42BEC660-F013-ACD0-1670-92B76B479AC2}"/>
+              </a:ext>
+            </a:extLst>
+          </p:cNvPr>
+          <p:cNvSpPr>
+            <a:spLocks noGrp="1"/>
+          </p:cNvSpPr>
+          <p:nvPr>
+            <p:ph idx="1"/>
+          </p:nvPr>
+        </p:nvSpPr>
+        <p:spPr>
+          <a:xfrm>
+            <a:off x="838200" y="1690688"/>
+            <a:ext cx="10515600" cy="4802187"/>
+          </a:xfrm>
+        </p:spPr>
+        <p:txBody>
+          <a:bodyPr>
+            <a:normAutofit/>
+          </a:bodyPr>
+          <a:lstStyle/>
+          <a:p>
+            <a:pPr>
+              <a:lnSpc>
+                <a:spcPct val="160000"/>
+              </a:lnSpc>
+            </a:pPr>
+            <a:r>
+              <a:rPr lang="de-DE" sz="2000" dirty="0">
+                <a:latin typeface="Trebuchet MS" panose="020B0603020202020204" pitchFamily="34" charset="0"/>
+              </a:rPr>
+              <a:t>Effektivität und Effizienz (Account, Favoritenauswahl) </a:t>
+            </a:r>
+          </a:p>
+          <a:p>
+            <a:pPr>
+              <a:lnSpc>
+                <a:spcPct val="160000"/>
+              </a:lnSpc>
+            </a:pPr>
+            <a:r>
+              <a:rPr lang="de-DE" sz="2000" dirty="0">
+                <a:latin typeface="Trebuchet MS" panose="020B0603020202020204" pitchFamily="34" charset="0"/>
+              </a:rPr>
+              <a:t>Sicherheit (Kindersicherung/Seniorenmodus)</a:t>
+            </a:r>
+          </a:p>
+          <a:p>
+            <a:pPr>
+              <a:lnSpc>
+                <a:spcPct val="160000"/>
+              </a:lnSpc>
+            </a:pPr>
+            <a:r>
+              <a:rPr lang="de-DE" sz="2000" dirty="0">
+                <a:latin typeface="Trebuchet MS" panose="020B0603020202020204" pitchFamily="34" charset="0"/>
+              </a:rPr>
+              <a:t>Flexibilität (App, Ticketversand per E-Mail, Account)</a:t>
+            </a:r>
+          </a:p>
+          <a:p>
+            <a:pPr>
+              <a:lnSpc>
+                <a:spcPct val="160000"/>
+              </a:lnSpc>
+            </a:pPr>
+            <a:r>
+              <a:rPr lang="de-DE" sz="2000" dirty="0">
+                <a:latin typeface="Trebuchet MS" panose="020B0603020202020204" pitchFamily="34" charset="0"/>
+              </a:rPr>
+              <a:t>Robustheit (Favoritenauswahl, Seniorenmodus, Textfelder)</a:t>
+            </a:r>
+          </a:p>
+          <a:p>
+            <a:pPr>
+              <a:lnSpc>
+                <a:spcPct val="160000"/>
+              </a:lnSpc>
+            </a:pPr>
+            <a:endParaRPr lang="de-DE" sz="2000" dirty="0">
+              <a:latin typeface="Trebuchet MS" panose="020B0603020202020204" pitchFamily="34" charset="0"/>
+            </a:endParaRPr>
+          </a:p>
+          <a:p>
+            <a:pPr>
+              <a:lnSpc>
+                <a:spcPct val="160000"/>
+              </a:lnSpc>
+            </a:pPr>
+            <a:endParaRPr lang="de-DE" sz="2000" dirty="0">
+              <a:latin typeface="Trebuchet MS" panose="020B0603020202020204" pitchFamily="34" charset="0"/>
+            </a:endParaRPr>
+          </a:p>
+        </p:txBody>
+      </p:sp>
+    </p:spTree>
+    <p:extLst>
+      <p:ext uri="{BB962C8B-B14F-4D97-AF65-F5344CB8AC3E}">
+        <p14:creationId xmlns:p14="http://schemas.microsoft.com/office/powerpoint/2010/main" val="2888269750"/>
+      </p:ext>
+    </p:extLst>
+  </p:cSld>
+  <p:clrMapOvr>
+    <a:masterClrMapping/>
+  </p:clrMapOvr>
+</p:sld>
+</file>
+
+<file path=ppt/slides/slide11.xml><?xml version="1.0" encoding="utf-8"?>
+<p:sld xmlns:a="http://schemas.openxmlformats.org/drawingml/2006/main" xmlns:r="http://schemas.openxmlformats.org/officeDocument/2006/relationships" xmlns:p="http://schemas.openxmlformats.org/presentationml/2006/main">
+  <p:cSld>
+    <p:spTree>
+      <p:nvGrpSpPr>
+        <p:cNvPr id="1" name=""/>
+        <p:cNvGrpSpPr/>
+        <p:nvPr/>
+      </p:nvGrpSpPr>
+      <p:grpSpPr>
+        <a:xfrm>
+          <a:off x="0" y="0"/>
+          <a:ext cx="0" cy="0"/>
+          <a:chOff x="0" y="0"/>
+          <a:chExt cx="0" cy="0"/>
+        </a:xfrm>
+      </p:grpSpPr>
+      <p:sp>
+        <p:nvSpPr>
+          <p:cNvPr id="2" name="Titel 1">
+            <a:extLst>
+              <a:ext uri="{FF2B5EF4-FFF2-40B4-BE49-F238E27FC236}">
+                <a16:creationId xmlns:a16="http://schemas.microsoft.com/office/drawing/2014/main" id="{3D304680-AFA4-1D67-B620-9A8C329A26E8}"/>
+              </a:ext>
+            </a:extLst>
+          </p:cNvPr>
+          <p:cNvSpPr>
+            <a:spLocks noGrp="1"/>
+          </p:cNvSpPr>
+          <p:nvPr>
+            <p:ph type="title"/>
+          </p:nvPr>
+        </p:nvSpPr>
+        <p:spPr/>
+        <p:txBody>
+          <a:bodyPr>
+            <a:normAutofit/>
+          </a:bodyPr>
+          <a:lstStyle/>
+          <a:p>
+            <a:r>
+              <a:rPr lang="de-DE" sz="4000" dirty="0">
+                <a:latin typeface="Trebuchet MS" panose="020B0603020202020204" pitchFamily="34" charset="0"/>
+              </a:rPr>
+              <a:t>Usability-Ziele – Administrator*in</a:t>
+            </a:r>
+          </a:p>
+        </p:txBody>
+      </p:sp>
+      <p:sp>
+        <p:nvSpPr>
+          <p:cNvPr id="3" name="Inhaltsplatzhalter 2">
+            <a:extLst>
+              <a:ext uri="{FF2B5EF4-FFF2-40B4-BE49-F238E27FC236}">
+                <a16:creationId xmlns:a16="http://schemas.microsoft.com/office/drawing/2014/main" id="{42BEC660-F013-ACD0-1670-92B76B479AC2}"/>
+              </a:ext>
+            </a:extLst>
+          </p:cNvPr>
+          <p:cNvSpPr>
+            <a:spLocks noGrp="1"/>
+          </p:cNvSpPr>
+          <p:nvPr>
+            <p:ph idx="1"/>
+          </p:nvPr>
+        </p:nvSpPr>
+        <p:spPr>
+          <a:xfrm>
+            <a:off x="838200" y="1690688"/>
+            <a:ext cx="10515600" cy="4802187"/>
+          </a:xfrm>
+        </p:spPr>
+        <p:txBody>
+          <a:bodyPr>
+            <a:normAutofit/>
+          </a:bodyPr>
+          <a:lstStyle/>
+          <a:p>
+            <a:pPr>
+              <a:lnSpc>
+                <a:spcPct val="160000"/>
+              </a:lnSpc>
+            </a:pPr>
+            <a:r>
+              <a:rPr lang="de-DE" sz="2000" dirty="0">
+                <a:latin typeface="Trebuchet MS" panose="020B0603020202020204" pitchFamily="34" charset="0"/>
+              </a:rPr>
+              <a:t>Effektivität und Effizienz (Drop-Down Menüs, Short Cuts)</a:t>
+            </a:r>
+          </a:p>
+          <a:p>
+            <a:pPr>
+              <a:lnSpc>
+                <a:spcPct val="160000"/>
+              </a:lnSpc>
+            </a:pPr>
+            <a:r>
+              <a:rPr lang="de-DE" sz="2000" dirty="0">
+                <a:latin typeface="Trebuchet MS" panose="020B0603020202020204" pitchFamily="34" charset="0"/>
+              </a:rPr>
+              <a:t>Sicherheit (Bestätigungen)</a:t>
+            </a:r>
+          </a:p>
+          <a:p>
+            <a:pPr>
+              <a:lnSpc>
+                <a:spcPct val="160000"/>
+              </a:lnSpc>
+            </a:pPr>
+            <a:r>
+              <a:rPr lang="de-DE" sz="2000" dirty="0">
+                <a:latin typeface="Trebuchet MS" panose="020B0603020202020204" pitchFamily="34" charset="0"/>
+              </a:rPr>
+              <a:t>Nützlichkeit (übersichtliche Gestaltung durch Drop-Downs)</a:t>
+            </a:r>
+          </a:p>
+          <a:p>
+            <a:pPr>
+              <a:lnSpc>
+                <a:spcPct val="160000"/>
+              </a:lnSpc>
+            </a:pPr>
+            <a:endParaRPr lang="de-DE" sz="2000" dirty="0">
+              <a:latin typeface="Trebuchet MS" panose="020B0603020202020204" pitchFamily="34" charset="0"/>
+            </a:endParaRPr>
+          </a:p>
+        </p:txBody>
+      </p:sp>
+    </p:spTree>
+    <p:extLst>
+      <p:ext uri="{BB962C8B-B14F-4D97-AF65-F5344CB8AC3E}">
+        <p14:creationId xmlns:p14="http://schemas.microsoft.com/office/powerpoint/2010/main" val="888849965"/>
+      </p:ext>
+    </p:extLst>
+  </p:cSld>
+  <p:clrMapOvr>
+    <a:masterClrMapping/>
+  </p:clrMapOvr>
+</p:sld>
+</file>
+
+<file path=ppt/slides/slide12.xml><?xml version="1.0" encoding="utf-8"?>
+<p:sld xmlns:a="http://schemas.openxmlformats.org/drawingml/2006/main" xmlns:r="http://schemas.openxmlformats.org/officeDocument/2006/relationships" xmlns:p="http://schemas.openxmlformats.org/presentationml/2006/main">
+  <p:cSld>
+    <p:spTree>
+      <p:nvGrpSpPr>
+        <p:cNvPr id="1" name=""/>
+        <p:cNvGrpSpPr/>
+        <p:nvPr/>
+      </p:nvGrpSpPr>
+      <p:grpSpPr>
+        <a:xfrm>
+          <a:off x="0" y="0"/>
+          <a:ext cx="0" cy="0"/>
+          <a:chOff x="0" y="0"/>
+          <a:chExt cx="0" cy="0"/>
+        </a:xfrm>
+      </p:grpSpPr>
+      <p:sp>
+        <p:nvSpPr>
+          <p:cNvPr id="2" name="Titel 1">
+            <a:extLst>
+              <a:ext uri="{FF2B5EF4-FFF2-40B4-BE49-F238E27FC236}">
+                <a16:creationId xmlns:a16="http://schemas.microsoft.com/office/drawing/2014/main" id="{3D304680-AFA4-1D67-B620-9A8C329A26E8}"/>
+              </a:ext>
+            </a:extLst>
+          </p:cNvPr>
+          <p:cNvSpPr>
+            <a:spLocks noGrp="1"/>
+          </p:cNvSpPr>
+          <p:nvPr>
+            <p:ph type="title"/>
+          </p:nvPr>
+        </p:nvSpPr>
+        <p:spPr/>
+        <p:txBody>
+          <a:bodyPr>
+            <a:normAutofit/>
+          </a:bodyPr>
+          <a:lstStyle/>
+          <a:p>
+            <a:r>
+              <a:rPr lang="de-DE" sz="4000" dirty="0">
+                <a:latin typeface="Trebuchet MS" panose="020B0603020202020204" pitchFamily="34" charset="0"/>
+              </a:rPr>
+              <a:t>Website</a:t>
+            </a:r>
+          </a:p>
+        </p:txBody>
+      </p:sp>
+      <p:sp>
+        <p:nvSpPr>
+          <p:cNvPr id="3" name="Inhaltsplatzhalter 2">
+            <a:extLst>
+              <a:ext uri="{FF2B5EF4-FFF2-40B4-BE49-F238E27FC236}">
+                <a16:creationId xmlns:a16="http://schemas.microsoft.com/office/drawing/2014/main" id="{42BEC660-F013-ACD0-1670-92B76B479AC2}"/>
+              </a:ext>
+            </a:extLst>
+          </p:cNvPr>
+          <p:cNvSpPr>
+            <a:spLocks noGrp="1"/>
+          </p:cNvSpPr>
+          <p:nvPr>
+            <p:ph idx="1"/>
+          </p:nvPr>
+        </p:nvSpPr>
+        <p:spPr>
+          <a:xfrm>
+            <a:off x="838200" y="2562447"/>
+            <a:ext cx="10515600" cy="1414130"/>
+          </a:xfrm>
+        </p:spPr>
+        <p:txBody>
+          <a:bodyPr>
+            <a:normAutofit/>
+          </a:bodyPr>
+          <a:lstStyle/>
+          <a:p>
+            <a:pPr marL="0" indent="0" algn="ctr">
+              <a:lnSpc>
+                <a:spcPct val="160000"/>
+              </a:lnSpc>
+              <a:buNone/>
+            </a:pPr>
+            <a:r>
+              <a:rPr lang="de-DE" sz="2000" dirty="0">
+                <a:latin typeface="Trebuchet MS" panose="020B0603020202020204" pitchFamily="34" charset="0"/>
+              </a:rPr>
+              <a:t>http://swt-tickets.great-site.net/</a:t>
+            </a:r>
+          </a:p>
+        </p:txBody>
+      </p:sp>
+    </p:spTree>
+    <p:extLst>
+      <p:ext uri="{BB962C8B-B14F-4D97-AF65-F5344CB8AC3E}">
+        <p14:creationId xmlns:p14="http://schemas.microsoft.com/office/powerpoint/2010/main" val="3442993962"/>
+      </p:ext>
+    </p:extLst>
+  </p:cSld>
+  <p:clrMapOvr>
+    <a:masterClrMapping/>
+  </p:clrMapOvr>
+</p:sld>
+</file>
+
+<file path=ppt/slides/slide13.xml><?xml version="1.0" encoding="utf-8"?>
+<p:sld xmlns:a="http://schemas.openxmlformats.org/drawingml/2006/main" xmlns:r="http://schemas.openxmlformats.org/officeDocument/2006/relationships" xmlns:p="http://schemas.openxmlformats.org/presentationml/2006/main">
+  <p:cSld>
+    <p:spTree>
+      <p:nvGrpSpPr>
+        <p:cNvPr id="1" name=""/>
+        <p:cNvGrpSpPr/>
+        <p:nvPr/>
+      </p:nvGrpSpPr>
+      <p:grpSpPr>
+        <a:xfrm>
+          <a:off x="0" y="0"/>
+          <a:ext cx="0" cy="0"/>
+          <a:chOff x="0" y="0"/>
+          <a:chExt cx="0" cy="0"/>
+        </a:xfrm>
+      </p:grpSpPr>
+      <p:sp>
+        <p:nvSpPr>
+          <p:cNvPr id="2" name="Titel 1">
+            <a:extLst>
+              <a:ext uri="{FF2B5EF4-FFF2-40B4-BE49-F238E27FC236}">
+                <a16:creationId xmlns:a16="http://schemas.microsoft.com/office/drawing/2014/main" id="{3D304680-AFA4-1D67-B620-9A8C329A26E8}"/>
+              </a:ext>
+            </a:extLst>
+          </p:cNvPr>
+          <p:cNvSpPr>
+            <a:spLocks noGrp="1"/>
+          </p:cNvSpPr>
+          <p:nvPr>
+            <p:ph type="title"/>
+          </p:nvPr>
+        </p:nvSpPr>
+        <p:spPr/>
+        <p:txBody>
+          <a:bodyPr>
+            <a:normAutofit/>
+          </a:bodyPr>
+          <a:lstStyle/>
+          <a:p>
+            <a:r>
+              <a:rPr lang="de-DE" sz="4000" dirty="0">
+                <a:latin typeface="Trebuchet MS" panose="020B0603020202020204" pitchFamily="34" charset="0"/>
+              </a:rPr>
+              <a:t>Evaluation</a:t>
+            </a:r>
+          </a:p>
+        </p:txBody>
+      </p:sp>
+      <p:sp>
+        <p:nvSpPr>
+          <p:cNvPr id="3" name="Inhaltsplatzhalter 2">
+            <a:extLst>
+              <a:ext uri="{FF2B5EF4-FFF2-40B4-BE49-F238E27FC236}">
+                <a16:creationId xmlns:a16="http://schemas.microsoft.com/office/drawing/2014/main" id="{42BEC660-F013-ACD0-1670-92B76B479AC2}"/>
+              </a:ext>
+            </a:extLst>
+          </p:cNvPr>
+          <p:cNvSpPr>
+            <a:spLocks noGrp="1"/>
+          </p:cNvSpPr>
+          <p:nvPr>
+            <p:ph idx="1"/>
+          </p:nvPr>
+        </p:nvSpPr>
+        <p:spPr>
+          <a:xfrm>
+            <a:off x="838200" y="1690688"/>
+            <a:ext cx="10515600" cy="4802187"/>
+          </a:xfrm>
+        </p:spPr>
+        <p:txBody>
+          <a:bodyPr>
+            <a:normAutofit/>
+          </a:bodyPr>
+          <a:lstStyle/>
+          <a:p>
+            <a:pPr>
+              <a:lnSpc>
+                <a:spcPct val="160000"/>
+              </a:lnSpc>
+            </a:pPr>
+            <a:endParaRPr lang="de-DE" sz="2000" dirty="0">
+              <a:latin typeface="Trebuchet MS" panose="020B0603020202020204" pitchFamily="34" charset="0"/>
+            </a:endParaRPr>
+          </a:p>
+        </p:txBody>
+      </p:sp>
+    </p:spTree>
+    <p:extLst>
+      <p:ext uri="{BB962C8B-B14F-4D97-AF65-F5344CB8AC3E}">
+        <p14:creationId xmlns:p14="http://schemas.microsoft.com/office/powerpoint/2010/main" val="4021053123"/>
       </p:ext>
     </p:extLst>
   </p:cSld>
@@ -3459,44 +4899,57 @@
         </p:nvSpPr>
         <p:spPr/>
         <p:txBody>
-          <a:bodyPr/>
-          <a:lstStyle/>
-          <a:p>
-            <a:r>
-              <a:rPr lang="de-DE" dirty="0">
-                <a:latin typeface="Trebuchet MS" panose="020B0603020202020204" pitchFamily="34" charset="0"/>
-              </a:rPr>
-              <a:t>Personas von Nutzer*innen </a:t>
-            </a:r>
-            <a:r>
-              <a:rPr lang="de-DE">
-                <a:latin typeface="Trebuchet MS" panose="020B0603020202020204" pitchFamily="34" charset="0"/>
-              </a:rPr>
-              <a:t>und Administrator*innen</a:t>
-            </a:r>
-            <a:endParaRPr lang="de-DE" dirty="0">
-              <a:latin typeface="Trebuchet MS" panose="020B0603020202020204" pitchFamily="34" charset="0"/>
-            </a:endParaRPr>
-          </a:p>
-          <a:p>
-            <a:r>
-              <a:rPr lang="de-DE" dirty="0">
-                <a:latin typeface="Trebuchet MS" panose="020B0603020202020204" pitchFamily="34" charset="0"/>
-              </a:rPr>
-              <a:t>Usability Ziele festlegen auf Basis von User Stories</a:t>
-            </a:r>
-          </a:p>
-          <a:p>
-            <a:r>
-              <a:rPr lang="de-DE" dirty="0">
-                <a:latin typeface="Trebuchet MS" panose="020B0603020202020204" pitchFamily="34" charset="0"/>
-              </a:rPr>
-              <a:t>….</a:t>
-            </a:r>
-          </a:p>
-          <a:p>
-            <a:r>
-              <a:rPr lang="de-DE" dirty="0">
+          <a:bodyPr>
+            <a:normAutofit/>
+          </a:bodyPr>
+          <a:lstStyle/>
+          <a:p>
+            <a:pPr>
+              <a:lnSpc>
+                <a:spcPct val="150000"/>
+              </a:lnSpc>
+            </a:pPr>
+            <a:r>
+              <a:rPr lang="de-DE" sz="2400" dirty="0">
+                <a:latin typeface="Trebuchet MS" panose="020B0603020202020204" pitchFamily="34" charset="0"/>
+              </a:rPr>
+              <a:t>Personas von Nutzer*innen und Administrator*innen</a:t>
+            </a:r>
+          </a:p>
+          <a:p>
+            <a:pPr>
+              <a:lnSpc>
+                <a:spcPct val="150000"/>
+              </a:lnSpc>
+            </a:pPr>
+            <a:r>
+              <a:rPr lang="de-DE" sz="2400" dirty="0">
+                <a:latin typeface="Trebuchet MS" panose="020B0603020202020204" pitchFamily="34" charset="0"/>
+              </a:rPr>
+              <a:t>User Stories und Anforderungen</a:t>
+            </a:r>
+          </a:p>
+          <a:p>
+            <a:pPr>
+              <a:lnSpc>
+                <a:spcPct val="150000"/>
+              </a:lnSpc>
+            </a:pPr>
+            <a:r>
+              <a:rPr lang="de-DE" sz="2400" dirty="0">
+                <a:latin typeface="Trebuchet MS" panose="020B0603020202020204" pitchFamily="34" charset="0"/>
+              </a:rPr>
+              <a:t>Vorstellung der Website</a:t>
+            </a:r>
+          </a:p>
+          <a:p>
+            <a:pPr>
+              <a:lnSpc>
+                <a:spcPct val="150000"/>
+              </a:lnSpc>
+            </a:pPr>
+            <a:r>
+              <a:rPr lang="de-DE" sz="2400" dirty="0">
                 <a:latin typeface="Trebuchet MS" panose="020B0603020202020204" pitchFamily="34" charset="0"/>
               </a:rPr>
               <a:t>Evaluation mit Bezug auf Usability Ziele</a:t>
@@ -3563,29 +5016,29 @@
           <a:lstStyle/>
           <a:p>
             <a:r>
-              <a:rPr lang="de-DE" sz="4000" dirty="0">
+              <a:rPr lang="de-DE" sz="3000" dirty="0">
                 <a:latin typeface="Trebuchet MS" panose="020B0603020202020204" pitchFamily="34" charset="0"/>
               </a:rPr>
               <a:t>Persona</a:t>
             </a:r>
             <a:br>
-              <a:rPr lang="de-DE" sz="4000" dirty="0">
+              <a:rPr lang="de-DE" sz="3000" dirty="0">
                 <a:latin typeface="Trebuchet MS" panose="020B0603020202020204" pitchFamily="34" charset="0"/>
               </a:rPr>
             </a:br>
             <a:r>
-              <a:rPr lang="de-DE" sz="4000" dirty="0">
+              <a:rPr lang="de-DE" sz="3000" dirty="0">
                 <a:latin typeface="Trebuchet MS" panose="020B0603020202020204" pitchFamily="34" charset="0"/>
               </a:rPr>
               <a:t>der</a:t>
             </a:r>
             <a:br>
-              <a:rPr lang="de-DE" sz="4000" dirty="0">
+              <a:rPr lang="de-DE" sz="3000" dirty="0">
                 <a:latin typeface="Trebuchet MS" panose="020B0603020202020204" pitchFamily="34" charset="0"/>
               </a:rPr>
             </a:br>
             <a:r>
-              <a:rPr lang="de-DE" sz="4000" dirty="0">
+              <a:rPr lang="de-DE" sz="3000" dirty="0">
                 <a:latin typeface="Trebuchet MS" panose="020B0603020202020204" pitchFamily="34" charset="0"/>
               </a:rPr>
               <a:t>Benutzer*in</a:t>
@@ -3610,7 +5063,7 @@
           </p:nvPr>
         </p:nvPicPr>
         <p:blipFill>
-          <a:blip r:embed="rId2">
+          <a:blip r:embed="rId3">
             <a:extLst>
               <a:ext uri="{28A0092B-C50C-407E-A947-70E740481C1C}">
                 <a14:useLocalDpi xmlns:a14="http://schemas.microsoft.com/office/drawing/2010/main" val="0"/>
@@ -3734,7 +5187,7 @@
           </p:nvPr>
         </p:nvPicPr>
         <p:blipFill>
-          <a:blip r:embed="rId2">
+          <a:blip r:embed="rId3">
             <a:extLst>
               <a:ext uri="{28A0092B-C50C-407E-A947-70E740481C1C}">
                 <a14:useLocalDpi xmlns:a14="http://schemas.microsoft.com/office/drawing/2010/main" val="0"/>
@@ -3756,6 +5209,907 @@
     <p:extLst>
       <p:ext uri="{BB962C8B-B14F-4D97-AF65-F5344CB8AC3E}">
         <p14:creationId xmlns:p14="http://schemas.microsoft.com/office/powerpoint/2010/main" val="417189758"/>
+      </p:ext>
+    </p:extLst>
+  </p:cSld>
+  <p:clrMapOvr>
+    <a:masterClrMapping/>
+  </p:clrMapOvr>
+</p:sld>
+</file>
+
+<file path=ppt/slides/slide5.xml><?xml version="1.0" encoding="utf-8"?>
+<p:sld xmlns:a="http://schemas.openxmlformats.org/drawingml/2006/main" xmlns:r="http://schemas.openxmlformats.org/officeDocument/2006/relationships" xmlns:p="http://schemas.openxmlformats.org/presentationml/2006/main">
+  <p:cSld>
+    <p:spTree>
+      <p:nvGrpSpPr>
+        <p:cNvPr id="1" name=""/>
+        <p:cNvGrpSpPr/>
+        <p:nvPr/>
+      </p:nvGrpSpPr>
+      <p:grpSpPr>
+        <a:xfrm>
+          <a:off x="0" y="0"/>
+          <a:ext cx="0" cy="0"/>
+          <a:chOff x="0" y="0"/>
+          <a:chExt cx="0" cy="0"/>
+        </a:xfrm>
+      </p:grpSpPr>
+      <p:sp>
+        <p:nvSpPr>
+          <p:cNvPr id="2" name="Titel 1">
+            <a:extLst>
+              <a:ext uri="{FF2B5EF4-FFF2-40B4-BE49-F238E27FC236}">
+                <a16:creationId xmlns:a16="http://schemas.microsoft.com/office/drawing/2014/main" id="{3D304680-AFA4-1D67-B620-9A8C329A26E8}"/>
+              </a:ext>
+            </a:extLst>
+          </p:cNvPr>
+          <p:cNvSpPr>
+            <a:spLocks noGrp="1"/>
+          </p:cNvSpPr>
+          <p:nvPr>
+            <p:ph type="title"/>
+          </p:nvPr>
+        </p:nvSpPr>
+        <p:spPr/>
+        <p:txBody>
+          <a:bodyPr>
+            <a:normAutofit/>
+          </a:bodyPr>
+          <a:lstStyle/>
+          <a:p>
+            <a:r>
+              <a:rPr lang="de-DE" sz="4000" dirty="0">
+                <a:latin typeface="Trebuchet MS" panose="020B0603020202020204" pitchFamily="34" charset="0"/>
+              </a:rPr>
+              <a:t>User Stories – Nutzer*in</a:t>
+            </a:r>
+          </a:p>
+        </p:txBody>
+      </p:sp>
+      <p:sp>
+        <p:nvSpPr>
+          <p:cNvPr id="3" name="Inhaltsplatzhalter 2">
+            <a:extLst>
+              <a:ext uri="{FF2B5EF4-FFF2-40B4-BE49-F238E27FC236}">
+                <a16:creationId xmlns:a16="http://schemas.microsoft.com/office/drawing/2014/main" id="{42BEC660-F013-ACD0-1670-92B76B479AC2}"/>
+              </a:ext>
+            </a:extLst>
+          </p:cNvPr>
+          <p:cNvSpPr>
+            <a:spLocks noGrp="1"/>
+          </p:cNvSpPr>
+          <p:nvPr>
+            <p:ph idx="1"/>
+          </p:nvPr>
+        </p:nvSpPr>
+        <p:spPr>
+          <a:xfrm>
+            <a:off x="838200" y="1690688"/>
+            <a:ext cx="10515600" cy="4802187"/>
+          </a:xfrm>
+        </p:spPr>
+        <p:txBody>
+          <a:bodyPr>
+            <a:normAutofit/>
+          </a:bodyPr>
+          <a:lstStyle/>
+          <a:p>
+            <a:pPr>
+              <a:lnSpc>
+                <a:spcPct val="150000"/>
+              </a:lnSpc>
+            </a:pPr>
+            <a:r>
+              <a:rPr lang="de-DE" sz="2000" dirty="0">
+                <a:latin typeface="Trebuchet MS" panose="020B0603020202020204" pitchFamily="34" charset="0"/>
+              </a:rPr>
+              <a:t>Als unregelmäßige*r Nutzer*in möchte ich ein </a:t>
+            </a:r>
+            <a:r>
+              <a:rPr lang="de-DE" sz="2000" dirty="0">
+                <a:solidFill>
+                  <a:schemeClr val="accent1"/>
+                </a:solidFill>
+                <a:latin typeface="Trebuchet MS" panose="020B0603020202020204" pitchFamily="34" charset="0"/>
+              </a:rPr>
+              <a:t>Ticket für eine bestimmte Strecke</a:t>
+            </a:r>
+            <a:r>
+              <a:rPr lang="de-DE" sz="2000" dirty="0">
+                <a:latin typeface="Trebuchet MS" panose="020B0603020202020204" pitchFamily="34" charset="0"/>
+              </a:rPr>
+              <a:t> kaufen können, damit ich mich nicht genauer mit dem Tarifplan auseinandersetzen muss.</a:t>
+            </a:r>
+          </a:p>
+          <a:p>
+            <a:pPr>
+              <a:lnSpc>
+                <a:spcPct val="150000"/>
+              </a:lnSpc>
+            </a:pPr>
+            <a:r>
+              <a:rPr lang="de-DE" sz="2000" dirty="0">
+                <a:latin typeface="Trebuchet MS" panose="020B0603020202020204" pitchFamily="34" charset="0"/>
+              </a:rPr>
+              <a:t>Als regelmäßige*r Nutzer*in möchte ich meine </a:t>
+            </a:r>
+            <a:r>
+              <a:rPr lang="de-DE" sz="2000" dirty="0">
+                <a:solidFill>
+                  <a:schemeClr val="accent1"/>
+                </a:solidFill>
+                <a:latin typeface="Trebuchet MS" panose="020B0603020202020204" pitchFamily="34" charset="0"/>
+              </a:rPr>
+              <a:t>Tickets als Favoriten markieren </a:t>
+            </a:r>
+            <a:r>
+              <a:rPr lang="de-DE" sz="2000" dirty="0">
+                <a:latin typeface="Trebuchet MS" panose="020B0603020202020204" pitchFamily="34" charset="0"/>
+              </a:rPr>
+              <a:t>können, damit ich sie später schneller kaufen kann.</a:t>
+            </a:r>
+          </a:p>
+          <a:p>
+            <a:pPr>
+              <a:lnSpc>
+                <a:spcPct val="150000"/>
+              </a:lnSpc>
+            </a:pPr>
+            <a:r>
+              <a:rPr lang="de-DE" sz="2000" dirty="0">
+                <a:latin typeface="Trebuchet MS" panose="020B0603020202020204" pitchFamily="34" charset="0"/>
+              </a:rPr>
+              <a:t>Als Nutzer*in möchte ich die Möglichkeit haben, </a:t>
+            </a:r>
+            <a:r>
+              <a:rPr lang="de-DE" sz="2000" dirty="0">
+                <a:solidFill>
+                  <a:schemeClr val="accent1"/>
+                </a:solidFill>
+                <a:latin typeface="Trebuchet MS" panose="020B0603020202020204" pitchFamily="34" charset="0"/>
+              </a:rPr>
+              <a:t>Zeitkarten online zu kaufen</a:t>
+            </a:r>
+            <a:r>
+              <a:rPr lang="de-DE" sz="2000" dirty="0">
+                <a:latin typeface="Trebuchet MS" panose="020B0603020202020204" pitchFamily="34" charset="0"/>
+              </a:rPr>
+              <a:t>, damit ich nicht so viel Geld mit in den Bus nehmen muss.</a:t>
+            </a:r>
+          </a:p>
+          <a:p>
+            <a:pPr>
+              <a:lnSpc>
+                <a:spcPct val="150000"/>
+              </a:lnSpc>
+            </a:pPr>
+            <a:r>
+              <a:rPr lang="de-DE" sz="2000" dirty="0">
+                <a:latin typeface="Trebuchet MS" panose="020B0603020202020204" pitchFamily="34" charset="0"/>
+              </a:rPr>
+              <a:t>Als Nutzer*in möchte ich </a:t>
+            </a:r>
+            <a:r>
+              <a:rPr lang="de-DE" sz="2000" dirty="0">
+                <a:solidFill>
+                  <a:schemeClr val="accent1"/>
+                </a:solidFill>
+                <a:latin typeface="Trebuchet MS" panose="020B0603020202020204" pitchFamily="34" charset="0"/>
+              </a:rPr>
+              <a:t>bestehende Abonnements importieren</a:t>
+            </a:r>
+            <a:r>
+              <a:rPr lang="de-DE" sz="2000" dirty="0">
+                <a:latin typeface="Trebuchet MS" panose="020B0603020202020204" pitchFamily="34" charset="0"/>
+              </a:rPr>
+              <a:t> können, damit ich diese später online verwalten kann.</a:t>
+            </a:r>
+          </a:p>
+        </p:txBody>
+      </p:sp>
+    </p:spTree>
+    <p:extLst>
+      <p:ext uri="{BB962C8B-B14F-4D97-AF65-F5344CB8AC3E}">
+        <p14:creationId xmlns:p14="http://schemas.microsoft.com/office/powerpoint/2010/main" val="265258413"/>
+      </p:ext>
+    </p:extLst>
+  </p:cSld>
+  <p:clrMapOvr>
+    <a:masterClrMapping/>
+  </p:clrMapOvr>
+</p:sld>
+</file>
+
+<file path=ppt/slides/slide6.xml><?xml version="1.0" encoding="utf-8"?>
+<p:sld xmlns:a="http://schemas.openxmlformats.org/drawingml/2006/main" xmlns:r="http://schemas.openxmlformats.org/officeDocument/2006/relationships" xmlns:p="http://schemas.openxmlformats.org/presentationml/2006/main">
+  <p:cSld>
+    <p:spTree>
+      <p:nvGrpSpPr>
+        <p:cNvPr id="1" name=""/>
+        <p:cNvGrpSpPr/>
+        <p:nvPr/>
+      </p:nvGrpSpPr>
+      <p:grpSpPr>
+        <a:xfrm>
+          <a:off x="0" y="0"/>
+          <a:ext cx="0" cy="0"/>
+          <a:chOff x="0" y="0"/>
+          <a:chExt cx="0" cy="0"/>
+        </a:xfrm>
+      </p:grpSpPr>
+      <p:sp>
+        <p:nvSpPr>
+          <p:cNvPr id="2" name="Titel 1">
+            <a:extLst>
+              <a:ext uri="{FF2B5EF4-FFF2-40B4-BE49-F238E27FC236}">
+                <a16:creationId xmlns:a16="http://schemas.microsoft.com/office/drawing/2014/main" id="{3D304680-AFA4-1D67-B620-9A8C329A26E8}"/>
+              </a:ext>
+            </a:extLst>
+          </p:cNvPr>
+          <p:cNvSpPr>
+            <a:spLocks noGrp="1"/>
+          </p:cNvSpPr>
+          <p:nvPr>
+            <p:ph type="title"/>
+          </p:nvPr>
+        </p:nvSpPr>
+        <p:spPr/>
+        <p:txBody>
+          <a:bodyPr>
+            <a:normAutofit/>
+          </a:bodyPr>
+          <a:lstStyle/>
+          <a:p>
+            <a:r>
+              <a:rPr lang="de-DE" sz="4000" dirty="0">
+                <a:latin typeface="Trebuchet MS" panose="020B0603020202020204" pitchFamily="34" charset="0"/>
+              </a:rPr>
+              <a:t>User Stories – Administrator*in</a:t>
+            </a:r>
+          </a:p>
+        </p:txBody>
+      </p:sp>
+      <p:sp>
+        <p:nvSpPr>
+          <p:cNvPr id="3" name="Inhaltsplatzhalter 2">
+            <a:extLst>
+              <a:ext uri="{FF2B5EF4-FFF2-40B4-BE49-F238E27FC236}">
+                <a16:creationId xmlns:a16="http://schemas.microsoft.com/office/drawing/2014/main" id="{42BEC660-F013-ACD0-1670-92B76B479AC2}"/>
+              </a:ext>
+            </a:extLst>
+          </p:cNvPr>
+          <p:cNvSpPr>
+            <a:spLocks noGrp="1"/>
+          </p:cNvSpPr>
+          <p:nvPr>
+            <p:ph idx="1"/>
+          </p:nvPr>
+        </p:nvSpPr>
+        <p:spPr>
+          <a:xfrm>
+            <a:off x="838200" y="1690688"/>
+            <a:ext cx="10515600" cy="4802187"/>
+          </a:xfrm>
+        </p:spPr>
+        <p:txBody>
+          <a:bodyPr>
+            <a:normAutofit/>
+          </a:bodyPr>
+          <a:lstStyle/>
+          <a:p>
+            <a:pPr>
+              <a:lnSpc>
+                <a:spcPct val="150000"/>
+              </a:lnSpc>
+            </a:pPr>
+            <a:r>
+              <a:rPr lang="de-DE" sz="2000" dirty="0">
+                <a:latin typeface="Trebuchet MS" panose="020B0603020202020204" pitchFamily="34" charset="0"/>
+              </a:rPr>
+              <a:t>Als Administrator*in möchte ich </a:t>
+            </a:r>
+            <a:r>
+              <a:rPr lang="de-DE" sz="2000" dirty="0">
+                <a:solidFill>
+                  <a:schemeClr val="accent1"/>
+                </a:solidFill>
+                <a:latin typeface="Trebuchet MS" panose="020B0603020202020204" pitchFamily="34" charset="0"/>
+              </a:rPr>
+              <a:t>neue Tarife anlegen</a:t>
+            </a:r>
+            <a:r>
+              <a:rPr lang="de-DE" sz="2000" dirty="0">
+                <a:latin typeface="Trebuchet MS" panose="020B0603020202020204" pitchFamily="34" charset="0"/>
+              </a:rPr>
+              <a:t> können, damit diese dann für die NutzerInnen verfügbar sind.</a:t>
+            </a:r>
+          </a:p>
+          <a:p>
+            <a:pPr>
+              <a:lnSpc>
+                <a:spcPct val="150000"/>
+              </a:lnSpc>
+            </a:pPr>
+            <a:r>
+              <a:rPr lang="de-DE" sz="2000" dirty="0">
+                <a:latin typeface="Trebuchet MS" panose="020B0603020202020204" pitchFamily="34" charset="0"/>
+              </a:rPr>
+              <a:t>Als Administrator*in möchte ich </a:t>
+            </a:r>
+            <a:r>
+              <a:rPr lang="de-DE" sz="2000" dirty="0">
+                <a:solidFill>
+                  <a:schemeClr val="accent1"/>
+                </a:solidFill>
+                <a:latin typeface="Trebuchet MS" panose="020B0603020202020204" pitchFamily="34" charset="0"/>
+              </a:rPr>
+              <a:t>bequem und schnell die Preise bestehender Tarife anpassen</a:t>
+            </a:r>
+            <a:r>
+              <a:rPr lang="de-DE" sz="2000" dirty="0">
+                <a:latin typeface="Trebuchet MS" panose="020B0603020202020204" pitchFamily="34" charset="0"/>
+              </a:rPr>
+              <a:t> können, damit ich meine </a:t>
+            </a:r>
+            <a:r>
+              <a:rPr lang="de-DE" sz="2000" dirty="0">
+                <a:solidFill>
+                  <a:schemeClr val="accent1"/>
+                </a:solidFill>
+                <a:latin typeface="Trebuchet MS" panose="020B0603020202020204" pitchFamily="34" charset="0"/>
+              </a:rPr>
+              <a:t>Arbeitszeit effektiver nutzen </a:t>
+            </a:r>
+            <a:r>
+              <a:rPr lang="de-DE" sz="2000" dirty="0">
+                <a:latin typeface="Trebuchet MS" panose="020B0603020202020204" pitchFamily="34" charset="0"/>
+              </a:rPr>
+              <a:t>kann.</a:t>
+            </a:r>
+          </a:p>
+        </p:txBody>
+      </p:sp>
+    </p:spTree>
+    <p:extLst>
+      <p:ext uri="{BB962C8B-B14F-4D97-AF65-F5344CB8AC3E}">
+        <p14:creationId xmlns:p14="http://schemas.microsoft.com/office/powerpoint/2010/main" val="1132144108"/>
+      </p:ext>
+    </p:extLst>
+  </p:cSld>
+  <p:clrMapOvr>
+    <a:masterClrMapping/>
+  </p:clrMapOvr>
+</p:sld>
+</file>
+
+<file path=ppt/slides/slide7.xml><?xml version="1.0" encoding="utf-8"?>
+<p:sld xmlns:a="http://schemas.openxmlformats.org/drawingml/2006/main" xmlns:r="http://schemas.openxmlformats.org/officeDocument/2006/relationships" xmlns:p="http://schemas.openxmlformats.org/presentationml/2006/main">
+  <p:cSld>
+    <p:spTree>
+      <p:nvGrpSpPr>
+        <p:cNvPr id="1" name=""/>
+        <p:cNvGrpSpPr/>
+        <p:nvPr/>
+      </p:nvGrpSpPr>
+      <p:grpSpPr>
+        <a:xfrm>
+          <a:off x="0" y="0"/>
+          <a:ext cx="0" cy="0"/>
+          <a:chOff x="0" y="0"/>
+          <a:chExt cx="0" cy="0"/>
+        </a:xfrm>
+      </p:grpSpPr>
+      <p:sp>
+        <p:nvSpPr>
+          <p:cNvPr id="2" name="Titel 1">
+            <a:extLst>
+              <a:ext uri="{FF2B5EF4-FFF2-40B4-BE49-F238E27FC236}">
+                <a16:creationId xmlns:a16="http://schemas.microsoft.com/office/drawing/2014/main" id="{3D304680-AFA4-1D67-B620-9A8C329A26E8}"/>
+              </a:ext>
+            </a:extLst>
+          </p:cNvPr>
+          <p:cNvSpPr>
+            <a:spLocks noGrp="1"/>
+          </p:cNvSpPr>
+          <p:nvPr>
+            <p:ph type="title"/>
+          </p:nvPr>
+        </p:nvSpPr>
+        <p:spPr/>
+        <p:txBody>
+          <a:bodyPr>
+            <a:normAutofit/>
+          </a:bodyPr>
+          <a:lstStyle/>
+          <a:p>
+            <a:r>
+              <a:rPr lang="de-DE" sz="4000" dirty="0">
+                <a:latin typeface="Trebuchet MS" panose="020B0603020202020204" pitchFamily="34" charset="0"/>
+              </a:rPr>
+              <a:t>Brainstorming</a:t>
+            </a:r>
+          </a:p>
+        </p:txBody>
+      </p:sp>
+      <p:sp>
+        <p:nvSpPr>
+          <p:cNvPr id="3" name="Inhaltsplatzhalter 2">
+            <a:extLst>
+              <a:ext uri="{FF2B5EF4-FFF2-40B4-BE49-F238E27FC236}">
+                <a16:creationId xmlns:a16="http://schemas.microsoft.com/office/drawing/2014/main" id="{42BEC660-F013-ACD0-1670-92B76B479AC2}"/>
+              </a:ext>
+            </a:extLst>
+          </p:cNvPr>
+          <p:cNvSpPr>
+            <a:spLocks noGrp="1"/>
+          </p:cNvSpPr>
+          <p:nvPr>
+            <p:ph idx="1"/>
+          </p:nvPr>
+        </p:nvSpPr>
+        <p:spPr>
+          <a:xfrm>
+            <a:off x="838200" y="1690688"/>
+            <a:ext cx="10515600" cy="4802187"/>
+          </a:xfrm>
+        </p:spPr>
+        <p:txBody>
+          <a:bodyPr>
+            <a:normAutofit/>
+          </a:bodyPr>
+          <a:lstStyle/>
+          <a:p>
+            <a:pPr marL="0" indent="0">
+              <a:lnSpc>
+                <a:spcPct val="160000"/>
+              </a:lnSpc>
+              <a:buNone/>
+            </a:pPr>
+            <a:r>
+              <a:rPr lang="de-DE" sz="2400" dirty="0">
+                <a:latin typeface="Trebuchet MS" panose="020B0603020202020204" pitchFamily="34" charset="0"/>
+              </a:rPr>
+              <a:t>Login:</a:t>
+            </a:r>
+          </a:p>
+          <a:p>
+            <a:pPr>
+              <a:lnSpc>
+                <a:spcPct val="160000"/>
+              </a:lnSpc>
+            </a:pPr>
+            <a:r>
+              <a:rPr lang="de-DE" sz="2000" dirty="0">
+                <a:latin typeface="Trebuchet MS" panose="020B0603020202020204" pitchFamily="34" charset="0"/>
+              </a:rPr>
+              <a:t>Account anlegen (freiwillig) </a:t>
+            </a:r>
+            <a:r>
+              <a:rPr lang="de-DE" sz="2000" dirty="0">
+                <a:latin typeface="Trebuchet MS" panose="020B0603020202020204" pitchFamily="34" charset="0"/>
+                <a:sym typeface="Wingdings" panose="05000000000000000000" pitchFamily="2" charset="2"/>
+              </a:rPr>
+              <a:t> Daten werden gespeichert</a:t>
+            </a:r>
+          </a:p>
+          <a:p>
+            <a:pPr>
+              <a:lnSpc>
+                <a:spcPct val="160000"/>
+              </a:lnSpc>
+            </a:pPr>
+            <a:r>
+              <a:rPr lang="de-DE" sz="2000" dirty="0">
+                <a:latin typeface="Trebuchet MS" panose="020B0603020202020204" pitchFamily="34" charset="0"/>
+              </a:rPr>
+              <a:t>Kindersicherung/Seniorenmodus</a:t>
+            </a:r>
+          </a:p>
+          <a:p>
+            <a:pPr marL="0" indent="0">
+              <a:lnSpc>
+                <a:spcPct val="160000"/>
+              </a:lnSpc>
+              <a:buNone/>
+            </a:pPr>
+            <a:r>
+              <a:rPr lang="de-DE" sz="2400" dirty="0">
+                <a:latin typeface="Trebuchet MS" panose="020B0603020202020204" pitchFamily="34" charset="0"/>
+              </a:rPr>
+              <a:t>Ticketanzeige:</a:t>
+            </a:r>
+          </a:p>
+          <a:p>
+            <a:pPr>
+              <a:lnSpc>
+                <a:spcPct val="160000"/>
+              </a:lnSpc>
+            </a:pPr>
+            <a:r>
+              <a:rPr lang="de-DE" sz="2000" dirty="0">
+                <a:latin typeface="Trebuchet MS" panose="020B0603020202020204" pitchFamily="34" charset="0"/>
+              </a:rPr>
+              <a:t>Favoritenauswahl</a:t>
+            </a:r>
+          </a:p>
+          <a:p>
+            <a:pPr>
+              <a:lnSpc>
+                <a:spcPct val="160000"/>
+              </a:lnSpc>
+            </a:pPr>
+            <a:r>
+              <a:rPr lang="de-DE" sz="2000" dirty="0">
+                <a:latin typeface="Trebuchet MS" panose="020B0603020202020204" pitchFamily="34" charset="0"/>
+              </a:rPr>
+              <a:t>Zeitkarten kaufen</a:t>
+            </a:r>
+          </a:p>
+          <a:p>
+            <a:pPr marL="0" indent="0">
+              <a:lnSpc>
+                <a:spcPct val="160000"/>
+              </a:lnSpc>
+              <a:buNone/>
+            </a:pPr>
+            <a:endParaRPr lang="de-DE" sz="2000" dirty="0">
+              <a:latin typeface="Trebuchet MS" panose="020B0603020202020204" pitchFamily="34" charset="0"/>
+            </a:endParaRPr>
+          </a:p>
+        </p:txBody>
+      </p:sp>
+    </p:spTree>
+    <p:extLst>
+      <p:ext uri="{BB962C8B-B14F-4D97-AF65-F5344CB8AC3E}">
+        <p14:creationId xmlns:p14="http://schemas.microsoft.com/office/powerpoint/2010/main" val="239035521"/>
+      </p:ext>
+    </p:extLst>
+  </p:cSld>
+  <p:clrMapOvr>
+    <a:masterClrMapping/>
+  </p:clrMapOvr>
+</p:sld>
+</file>
+
+<file path=ppt/slides/slide8.xml><?xml version="1.0" encoding="utf-8"?>
+<p:sld xmlns:a="http://schemas.openxmlformats.org/drawingml/2006/main" xmlns:r="http://schemas.openxmlformats.org/officeDocument/2006/relationships" xmlns:p="http://schemas.openxmlformats.org/presentationml/2006/main">
+  <p:cSld>
+    <p:spTree>
+      <p:nvGrpSpPr>
+        <p:cNvPr id="1" name=""/>
+        <p:cNvGrpSpPr/>
+        <p:nvPr/>
+      </p:nvGrpSpPr>
+      <p:grpSpPr>
+        <a:xfrm>
+          <a:off x="0" y="0"/>
+          <a:ext cx="0" cy="0"/>
+          <a:chOff x="0" y="0"/>
+          <a:chExt cx="0" cy="0"/>
+        </a:xfrm>
+      </p:grpSpPr>
+      <p:sp>
+        <p:nvSpPr>
+          <p:cNvPr id="2" name="Titel 1">
+            <a:extLst>
+              <a:ext uri="{FF2B5EF4-FFF2-40B4-BE49-F238E27FC236}">
+                <a16:creationId xmlns:a16="http://schemas.microsoft.com/office/drawing/2014/main" id="{3D304680-AFA4-1D67-B620-9A8C329A26E8}"/>
+              </a:ext>
+            </a:extLst>
+          </p:cNvPr>
+          <p:cNvSpPr>
+            <a:spLocks noGrp="1"/>
+          </p:cNvSpPr>
+          <p:nvPr>
+            <p:ph type="title"/>
+          </p:nvPr>
+        </p:nvSpPr>
+        <p:spPr/>
+        <p:txBody>
+          <a:bodyPr>
+            <a:normAutofit/>
+          </a:bodyPr>
+          <a:lstStyle/>
+          <a:p>
+            <a:r>
+              <a:rPr lang="de-DE" sz="4000" dirty="0">
+                <a:latin typeface="Trebuchet MS" panose="020B0603020202020204" pitchFamily="34" charset="0"/>
+              </a:rPr>
+              <a:t>Brainstorming</a:t>
+            </a:r>
+          </a:p>
+        </p:txBody>
+      </p:sp>
+      <p:sp>
+        <p:nvSpPr>
+          <p:cNvPr id="3" name="Inhaltsplatzhalter 2">
+            <a:extLst>
+              <a:ext uri="{FF2B5EF4-FFF2-40B4-BE49-F238E27FC236}">
+                <a16:creationId xmlns:a16="http://schemas.microsoft.com/office/drawing/2014/main" id="{42BEC660-F013-ACD0-1670-92B76B479AC2}"/>
+              </a:ext>
+            </a:extLst>
+          </p:cNvPr>
+          <p:cNvSpPr>
+            <a:spLocks noGrp="1"/>
+          </p:cNvSpPr>
+          <p:nvPr>
+            <p:ph idx="1"/>
+          </p:nvPr>
+        </p:nvSpPr>
+        <p:spPr>
+          <a:xfrm>
+            <a:off x="838200" y="1573620"/>
+            <a:ext cx="10515600" cy="4919256"/>
+          </a:xfrm>
+        </p:spPr>
+        <p:txBody>
+          <a:bodyPr>
+            <a:normAutofit lnSpcReduction="10000"/>
+          </a:bodyPr>
+          <a:lstStyle/>
+          <a:p>
+            <a:pPr marL="0" indent="0">
+              <a:lnSpc>
+                <a:spcPct val="160000"/>
+              </a:lnSpc>
+              <a:buNone/>
+            </a:pPr>
+            <a:r>
+              <a:rPr lang="de-DE" sz="2400" dirty="0">
+                <a:latin typeface="Trebuchet MS" panose="020B0603020202020204" pitchFamily="34" charset="0"/>
+              </a:rPr>
+              <a:t>Ticketkauf:</a:t>
+            </a:r>
+          </a:p>
+          <a:p>
+            <a:pPr>
+              <a:lnSpc>
+                <a:spcPct val="160000"/>
+              </a:lnSpc>
+            </a:pPr>
+            <a:r>
+              <a:rPr lang="de-DE" sz="2000" dirty="0">
+                <a:latin typeface="Trebuchet MS" panose="020B0603020202020204" pitchFamily="34" charset="0"/>
+              </a:rPr>
+              <a:t>Ticket per Mail und mit eingeloggtem Account wird dies auch hinterlegt</a:t>
+            </a:r>
+          </a:p>
+          <a:p>
+            <a:pPr>
+              <a:lnSpc>
+                <a:spcPct val="160000"/>
+              </a:lnSpc>
+            </a:pPr>
+            <a:r>
+              <a:rPr lang="de-DE" sz="2000" dirty="0">
+                <a:latin typeface="Trebuchet MS" panose="020B0603020202020204" pitchFamily="34" charset="0"/>
+              </a:rPr>
+              <a:t>Textfeld für E-Mail Adresse, Textfeld zur Bestätigung der E-Mail Adresse</a:t>
+            </a:r>
+          </a:p>
+          <a:p>
+            <a:pPr>
+              <a:lnSpc>
+                <a:spcPct val="160000"/>
+              </a:lnSpc>
+            </a:pPr>
+            <a:r>
+              <a:rPr lang="de-DE" sz="2000" dirty="0">
+                <a:latin typeface="Trebuchet MS" panose="020B0603020202020204" pitchFamily="34" charset="0"/>
+              </a:rPr>
+              <a:t>App</a:t>
+            </a:r>
+          </a:p>
+          <a:p>
+            <a:pPr marL="0" indent="0">
+              <a:lnSpc>
+                <a:spcPct val="160000"/>
+              </a:lnSpc>
+              <a:buNone/>
+            </a:pPr>
+            <a:r>
+              <a:rPr lang="de-DE" sz="2400" dirty="0">
+                <a:latin typeface="Trebuchet MS" panose="020B0603020202020204" pitchFamily="34" charset="0"/>
+              </a:rPr>
+              <a:t>Administrator:</a:t>
+            </a:r>
+          </a:p>
+          <a:p>
+            <a:pPr>
+              <a:lnSpc>
+                <a:spcPct val="160000"/>
+              </a:lnSpc>
+            </a:pPr>
+            <a:r>
+              <a:rPr lang="de-DE" sz="2000" dirty="0">
+                <a:latin typeface="Trebuchet MS" panose="020B0603020202020204" pitchFamily="34" charset="0"/>
+              </a:rPr>
+              <a:t>Drop-Down Menüs für Übersichtlichkeit und Navigation</a:t>
+            </a:r>
+          </a:p>
+          <a:p>
+            <a:pPr>
+              <a:lnSpc>
+                <a:spcPct val="160000"/>
+              </a:lnSpc>
+            </a:pPr>
+            <a:r>
+              <a:rPr lang="de-DE" sz="2000" dirty="0">
+                <a:latin typeface="Trebuchet MS" panose="020B0603020202020204" pitchFamily="34" charset="0"/>
+              </a:rPr>
+              <a:t>Effiziente Verwaltung und effizienter Zugriff mit Short Cuts</a:t>
+            </a:r>
+          </a:p>
+          <a:p>
+            <a:pPr>
+              <a:lnSpc>
+                <a:spcPct val="160000"/>
+              </a:lnSpc>
+            </a:pPr>
+            <a:r>
+              <a:rPr lang="de-DE" sz="2000" dirty="0">
+                <a:latin typeface="Trebuchet MS" panose="020B0603020202020204" pitchFamily="34" charset="0"/>
+              </a:rPr>
+              <a:t>Bestätigung bei Änderungen</a:t>
+            </a:r>
+            <a:endParaRPr lang="de-DE" sz="1800" dirty="0">
+              <a:latin typeface="Trebuchet MS" panose="020B0603020202020204" pitchFamily="34" charset="0"/>
+            </a:endParaRPr>
+          </a:p>
+        </p:txBody>
+      </p:sp>
+    </p:spTree>
+    <p:extLst>
+      <p:ext uri="{BB962C8B-B14F-4D97-AF65-F5344CB8AC3E}">
+        <p14:creationId xmlns:p14="http://schemas.microsoft.com/office/powerpoint/2010/main" val="898479428"/>
+      </p:ext>
+    </p:extLst>
+  </p:cSld>
+  <p:clrMapOvr>
+    <a:masterClrMapping/>
+  </p:clrMapOvr>
+</p:sld>
+</file>
+
+<file path=ppt/slides/slide9.xml><?xml version="1.0" encoding="utf-8"?>
+<p:sld xmlns:a="http://schemas.openxmlformats.org/drawingml/2006/main" xmlns:r="http://schemas.openxmlformats.org/officeDocument/2006/relationships" xmlns:p="http://schemas.openxmlformats.org/presentationml/2006/main">
+  <p:cSld>
+    <p:spTree>
+      <p:nvGrpSpPr>
+        <p:cNvPr id="1" name=""/>
+        <p:cNvGrpSpPr/>
+        <p:nvPr/>
+      </p:nvGrpSpPr>
+      <p:grpSpPr>
+        <a:xfrm>
+          <a:off x="0" y="0"/>
+          <a:ext cx="0" cy="0"/>
+          <a:chOff x="0" y="0"/>
+          <a:chExt cx="0" cy="0"/>
+        </a:xfrm>
+      </p:grpSpPr>
+      <p:sp>
+        <p:nvSpPr>
+          <p:cNvPr id="2" name="Titel 1">
+            <a:extLst>
+              <a:ext uri="{FF2B5EF4-FFF2-40B4-BE49-F238E27FC236}">
+                <a16:creationId xmlns:a16="http://schemas.microsoft.com/office/drawing/2014/main" id="{3D304680-AFA4-1D67-B620-9A8C329A26E8}"/>
+              </a:ext>
+            </a:extLst>
+          </p:cNvPr>
+          <p:cNvSpPr>
+            <a:spLocks noGrp="1"/>
+          </p:cNvSpPr>
+          <p:nvPr>
+            <p:ph type="title"/>
+          </p:nvPr>
+        </p:nvSpPr>
+        <p:spPr/>
+        <p:txBody>
+          <a:bodyPr>
+            <a:normAutofit/>
+          </a:bodyPr>
+          <a:lstStyle/>
+          <a:p>
+            <a:r>
+              <a:rPr lang="de-DE" sz="4000" dirty="0">
+                <a:latin typeface="Trebuchet MS" panose="020B0603020202020204" pitchFamily="34" charset="0"/>
+              </a:rPr>
+              <a:t>Erste Skizzen zum Aufbau der Website</a:t>
+            </a:r>
+          </a:p>
+        </p:txBody>
+      </p:sp>
+      <p:sp>
+        <p:nvSpPr>
+          <p:cNvPr id="3" name="Inhaltsplatzhalter 2">
+            <a:extLst>
+              <a:ext uri="{FF2B5EF4-FFF2-40B4-BE49-F238E27FC236}">
+                <a16:creationId xmlns:a16="http://schemas.microsoft.com/office/drawing/2014/main" id="{42BEC660-F013-ACD0-1670-92B76B479AC2}"/>
+              </a:ext>
+            </a:extLst>
+          </p:cNvPr>
+          <p:cNvSpPr>
+            <a:spLocks noGrp="1"/>
+          </p:cNvSpPr>
+          <p:nvPr>
+            <p:ph idx="1"/>
+          </p:nvPr>
+        </p:nvSpPr>
+        <p:spPr/>
+        <p:txBody>
+          <a:bodyPr/>
+          <a:lstStyle/>
+          <a:p>
+            <a:endParaRPr lang="de-DE"/>
+          </a:p>
+        </p:txBody>
+      </p:sp>
+      <p:pic>
+        <p:nvPicPr>
+          <p:cNvPr id="5" name="Grafik 4">
+            <a:extLst>
+              <a:ext uri="{FF2B5EF4-FFF2-40B4-BE49-F238E27FC236}">
+                <a16:creationId xmlns:a16="http://schemas.microsoft.com/office/drawing/2014/main" id="{490148C0-F016-086E-A228-24F11D9CBE0E}"/>
+              </a:ext>
+            </a:extLst>
+          </p:cNvPr>
+          <p:cNvPicPr>
+            <a:picLocks noChangeAspect="1"/>
+          </p:cNvPicPr>
+          <p:nvPr/>
+        </p:nvPicPr>
+        <p:blipFill>
+          <a:blip r:embed="rId2"/>
+          <a:stretch>
+            <a:fillRect/>
+          </a:stretch>
+        </p:blipFill>
+        <p:spPr>
+          <a:xfrm>
+            <a:off x="1114424" y="1388456"/>
+            <a:ext cx="9515475" cy="2567866"/>
+          </a:xfrm>
+          <a:prstGeom prst="rect">
+            <a:avLst/>
+          </a:prstGeom>
+        </p:spPr>
+      </p:pic>
+      <p:pic>
+        <p:nvPicPr>
+          <p:cNvPr id="7" name="Grafik 6">
+            <a:extLst>
+              <a:ext uri="{FF2B5EF4-FFF2-40B4-BE49-F238E27FC236}">
+                <a16:creationId xmlns:a16="http://schemas.microsoft.com/office/drawing/2014/main" id="{463B7901-F2F8-4625-1158-47A68E856525}"/>
+              </a:ext>
+            </a:extLst>
+          </p:cNvPr>
+          <p:cNvPicPr>
+            <a:picLocks noChangeAspect="1"/>
+          </p:cNvPicPr>
+          <p:nvPr/>
+        </p:nvPicPr>
+        <p:blipFill>
+          <a:blip r:embed="rId3"/>
+          <a:stretch>
+            <a:fillRect/>
+          </a:stretch>
+        </p:blipFill>
+        <p:spPr>
+          <a:xfrm>
+            <a:off x="1281111" y="4001294"/>
+            <a:ext cx="9182100" cy="2766270"/>
+          </a:xfrm>
+          <a:prstGeom prst="rect">
+            <a:avLst/>
+          </a:prstGeom>
+        </p:spPr>
+      </p:pic>
+    </p:spTree>
+    <p:extLst>
+      <p:ext uri="{BB962C8B-B14F-4D97-AF65-F5344CB8AC3E}">
+        <p14:creationId xmlns:p14="http://schemas.microsoft.com/office/powerpoint/2010/main" val="145488749"/>
       </p:ext>
     </p:extLst>
   </p:cSld>
@@ -4058,4 +6412,299 @@
     </a:ext>
   </a:extLst>
 </a:theme>
+</file>
+
+<file path=ppt/theme/theme2.xml><?xml version="1.0" encoding="utf-8"?>
+<a:theme xmlns:a="http://schemas.openxmlformats.org/drawingml/2006/main" name="Office">
+  <a:themeElements>
+    <a:clrScheme name="Office">
+      <a:dk1>
+        <a:sysClr val="windowText" lastClr="000000"/>
+      </a:dk1>
+      <a:lt1>
+        <a:sysClr val="window" lastClr="FFFFFF"/>
+      </a:lt1>
+      <a:dk2>
+        <a:srgbClr val="44546A"/>
+      </a:dk2>
+      <a:lt2>
+        <a:srgbClr val="E7E6E6"/>
+      </a:lt2>
+      <a:accent1>
+        <a:srgbClr val="4472C4"/>
+      </a:accent1>
+      <a:accent2>
+        <a:srgbClr val="ED7D31"/>
+      </a:accent2>
+      <a:accent3>
+        <a:srgbClr val="A5A5A5"/>
+      </a:accent3>
+      <a:accent4>
+        <a:srgbClr val="FFC000"/>
+      </a:accent4>
+      <a:accent5>
+        <a:srgbClr val="5B9BD5"/>
+      </a:accent5>
+      <a:accent6>
+        <a:srgbClr val="70AD47"/>
+      </a:accent6>
+      <a:hlink>
+        <a:srgbClr val="0563C1"/>
+      </a:hlink>
+      <a:folHlink>
+        <a:srgbClr val="954F72"/>
+      </a:folHlink>
+    </a:clrScheme>
+    <a:fontScheme name="Office">
+      <a:majorFont>
+        <a:latin typeface="Calibri Light" panose="020F0302020204030204"/>
+        <a:ea typeface=""/>
+        <a:cs typeface=""/>
+        <a:font script="Jpan" typeface="游ゴシック Light"/>
+        <a:font script="Hang" typeface="맑은 고딕"/>
+        <a:font script="Hans" typeface="等线 Light"/>
+        <a:font script="Hant" typeface="新細明體"/>
+        <a:font script="Arab" typeface="Times New Roman"/>
+        <a:font script="Hebr" typeface="Times New Roman"/>
+        <a:font script="Thai" typeface="Angsana New"/>
+        <a:font script="Ethi" typeface="Nyala"/>
+        <a:font script="Beng" typeface="Vrinda"/>
+        <a:font script="Gujr" typeface="Shruti"/>
+        <a:font script="Khmr" typeface="MoolBoran"/>
+        <a:font script="Knda" typeface="Tunga"/>
+        <a:font script="Guru" typeface="Raavi"/>
+        <a:font script="Cans" typeface="Euphemia"/>
+        <a:font script="Cher" typeface="Plantagenet Cherokee"/>
+        <a:font script="Yiii" typeface="Microsoft Yi Baiti"/>
+        <a:font script="Tibt" typeface="Microsoft Himalaya"/>
+        <a:font script="Thaa" typeface="MV Boli"/>
+        <a:font script="Deva" typeface="Mangal"/>
+        <a:font script="Telu" typeface="Gautami"/>
+        <a:font script="Taml" typeface="Latha"/>
+        <a:font script="Syrc" typeface="Estrangelo Edessa"/>
+        <a:font script="Orya" typeface="Kalinga"/>
+        <a:font script="Mlym" typeface="Kartika"/>
+        <a:font script="Laoo" typeface="DokChampa"/>
+        <a:font script="Sinh" typeface="Iskoola Pota"/>
+        <a:font script="Mong" typeface="Mongolian Baiti"/>
+        <a:font script="Viet" typeface="Times New Roman"/>
+        <a:font script="Uigh" typeface="Microsoft Uighur"/>
+        <a:font script="Geor" typeface="Sylfaen"/>
+        <a:font script="Armn" typeface="Arial"/>
+        <a:font script="Bugi" typeface="Leelawadee UI"/>
+        <a:font script="Bopo" typeface="Microsoft JhengHei"/>
+        <a:font script="Java" typeface="Javanese Text"/>
+        <a:font script="Lisu" typeface="Segoe UI"/>
+        <a:font script="Mymr" typeface="Myanmar Text"/>
+        <a:font script="Nkoo" typeface="Ebrima"/>
+        <a:font script="Olck" typeface="Nirmala UI"/>
+        <a:font script="Osma" typeface="Ebrima"/>
+        <a:font script="Phag" typeface="Phagspa"/>
+        <a:font script="Syrn" typeface="Estrangelo Edessa"/>
+        <a:font script="Syrj" typeface="Estrangelo Edessa"/>
+        <a:font script="Syre" typeface="Estrangelo Edessa"/>
+        <a:font script="Sora" typeface="Nirmala UI"/>
+        <a:font script="Tale" typeface="Microsoft Tai Le"/>
+        <a:font script="Talu" typeface="Microsoft New Tai Lue"/>
+        <a:font script="Tfng" typeface="Ebrima"/>
+      </a:majorFont>
+      <a:minorFont>
+        <a:latin typeface="Calibri" panose="020F0502020204030204"/>
+        <a:ea typeface=""/>
+        <a:cs typeface=""/>
+        <a:font script="Jpan" typeface="游ゴシック"/>
+        <a:font script="Hang" typeface="맑은 고딕"/>
+        <a:font script="Hans" typeface="等线"/>
+        <a:font script="Hant" typeface="新細明體"/>
+        <a:font script="Arab" typeface="Arial"/>
+        <a:font script="Hebr" typeface="Arial"/>
+        <a:font script="Thai" typeface="Cordia New"/>
+        <a:font script="Ethi" typeface="Nyala"/>
+        <a:font script="Beng" typeface="Vrinda"/>
+        <a:font script="Gujr" typeface="Shruti"/>
+        <a:font script="Khmr" typeface="DaunPenh"/>
+        <a:font script="Knda" typeface="Tunga"/>
+        <a:font script="Guru" typeface="Raavi"/>
+        <a:font script="Cans" typeface="Euphemia"/>
+        <a:font script="Cher" typeface="Plantagenet Cherokee"/>
+        <a:font script="Yiii" typeface="Microsoft Yi Baiti"/>
+        <a:font script="Tibt" typeface="Microsoft Himalaya"/>
+        <a:font script="Thaa" typeface="MV Boli"/>
+        <a:font script="Deva" typeface="Mangal"/>
+        <a:font script="Telu" typeface="Gautami"/>
+        <a:font script="Taml" typeface="Latha"/>
+        <a:font script="Syrc" typeface="Estrangelo Edessa"/>
+        <a:font script="Orya" typeface="Kalinga"/>
+        <a:font script="Mlym" typeface="Kartika"/>
+        <a:font script="Laoo" typeface="DokChampa"/>
+        <a:font script="Sinh" typeface="Iskoola Pota"/>
+        <a:font script="Mong" typeface="Mongolian Baiti"/>
+        <a:font script="Viet" typeface="Arial"/>
+        <a:font script="Uigh" typeface="Microsoft Uighur"/>
+        <a:font script="Geor" typeface="Sylfaen"/>
+        <a:font script="Armn" typeface="Arial"/>
+        <a:font script="Bugi" typeface="Leelawadee UI"/>
+        <a:font script="Bopo" typeface="Microsoft JhengHei"/>
+        <a:font script="Java" typeface="Javanese Text"/>
+        <a:font script="Lisu" typeface="Segoe UI"/>
+        <a:font script="Mymr" typeface="Myanmar Text"/>
+        <a:font script="Nkoo" typeface="Ebrima"/>
+        <a:font script="Olck" typeface="Nirmala UI"/>
+        <a:font script="Osma" typeface="Ebrima"/>
+        <a:font script="Phag" typeface="Phagspa"/>
+        <a:font script="Syrn" typeface="Estrangelo Edessa"/>
+        <a:font script="Syrj" typeface="Estrangelo Edessa"/>
+        <a:font script="Syre" typeface="Estrangelo Edessa"/>
+        <a:font script="Sora" typeface="Nirmala UI"/>
+        <a:font script="Tale" typeface="Microsoft Tai Le"/>
+        <a:font script="Talu" typeface="Microsoft New Tai Lue"/>
+        <a:font script="Tfng" typeface="Ebrima"/>
+      </a:minorFont>
+    </a:fontScheme>
+    <a:fmtScheme name="Office">
+      <a:fillStyleLst>
+        <a:solidFill>
+          <a:schemeClr val="phClr"/>
+        </a:solidFill>
+        <a:gradFill rotWithShape="1">
+          <a:gsLst>
+            <a:gs pos="0">
+              <a:schemeClr val="phClr">
+                <a:lumMod val="110000"/>
+                <a:satMod val="105000"/>
+                <a:tint val="67000"/>
+              </a:schemeClr>
+            </a:gs>
+            <a:gs pos="50000">
+              <a:schemeClr val="phClr">
+                <a:lumMod val="105000"/>
+                <a:satMod val="103000"/>
+                <a:tint val="73000"/>
+              </a:schemeClr>
+            </a:gs>
+            <a:gs pos="100000">
+              <a:schemeClr val="phClr">
+                <a:lumMod val="105000"/>
+                <a:satMod val="109000"/>
+                <a:tint val="81000"/>
+              </a:schemeClr>
+            </a:gs>
+          </a:gsLst>
+          <a:lin ang="5400000" scaled="0"/>
+        </a:gradFill>
+        <a:gradFill rotWithShape="1">
+          <a:gsLst>
+            <a:gs pos="0">
+              <a:schemeClr val="phClr">
+                <a:satMod val="103000"/>
+                <a:lumMod val="102000"/>
+                <a:tint val="94000"/>
+              </a:schemeClr>
+            </a:gs>
+            <a:gs pos="50000">
+              <a:schemeClr val="phClr">
+                <a:satMod val="110000"/>
+                <a:lumMod val="100000"/>
+                <a:shade val="100000"/>
+              </a:schemeClr>
+            </a:gs>
+            <a:gs pos="100000">
+              <a:schemeClr val="phClr">
+                <a:lumMod val="99000"/>
+                <a:satMod val="120000"/>
+                <a:shade val="78000"/>
+              </a:schemeClr>
+            </a:gs>
+          </a:gsLst>
+          <a:lin ang="5400000" scaled="0"/>
+        </a:gradFill>
+      </a:fillStyleLst>
+      <a:lnStyleLst>
+        <a:ln w="6350" cap="flat" cmpd="sng" algn="ctr">
+          <a:solidFill>
+            <a:schemeClr val="phClr"/>
+          </a:solidFill>
+          <a:prstDash val="solid"/>
+          <a:miter lim="800000"/>
+        </a:ln>
+        <a:ln w="12700" cap="flat" cmpd="sng" algn="ctr">
+          <a:solidFill>
+            <a:schemeClr val="phClr"/>
+          </a:solidFill>
+          <a:prstDash val="solid"/>
+          <a:miter lim="800000"/>
+        </a:ln>
+        <a:ln w="19050" cap="flat" cmpd="sng" algn="ctr">
+          <a:solidFill>
+            <a:schemeClr val="phClr"/>
+          </a:solidFill>
+          <a:prstDash val="solid"/>
+          <a:miter lim="800000"/>
+        </a:ln>
+      </a:lnStyleLst>
+      <a:effectStyleLst>
+        <a:effectStyle>
+          <a:effectLst/>
+        </a:effectStyle>
+        <a:effectStyle>
+          <a:effectLst/>
+        </a:effectStyle>
+        <a:effectStyle>
+          <a:effectLst>
+            <a:outerShdw blurRad="57150" dist="19050" dir="5400000" algn="ctr" rotWithShape="0">
+              <a:srgbClr val="000000">
+                <a:alpha val="63000"/>
+              </a:srgbClr>
+            </a:outerShdw>
+          </a:effectLst>
+        </a:effectStyle>
+      </a:effectStyleLst>
+      <a:bgFillStyleLst>
+        <a:solidFill>
+          <a:schemeClr val="phClr"/>
+        </a:solidFill>
+        <a:solidFill>
+          <a:schemeClr val="phClr">
+            <a:tint val="95000"/>
+            <a:satMod val="170000"/>
+          </a:schemeClr>
+        </a:solidFill>
+        <a:gradFill rotWithShape="1">
+          <a:gsLst>
+            <a:gs pos="0">
+              <a:schemeClr val="phClr">
+                <a:tint val="93000"/>
+                <a:satMod val="150000"/>
+                <a:shade val="98000"/>
+                <a:lumMod val="102000"/>
+              </a:schemeClr>
+            </a:gs>
+            <a:gs pos="50000">
+              <a:schemeClr val="phClr">
+                <a:tint val="98000"/>
+                <a:satMod val="130000"/>
+                <a:shade val="90000"/>
+                <a:lumMod val="103000"/>
+              </a:schemeClr>
+            </a:gs>
+            <a:gs pos="100000">
+              <a:schemeClr val="phClr">
+                <a:shade val="63000"/>
+                <a:satMod val="120000"/>
+              </a:schemeClr>
+            </a:gs>
+          </a:gsLst>
+          <a:lin ang="5400000" scaled="0"/>
+        </a:gradFill>
+      </a:bgFillStyleLst>
+    </a:fmtScheme>
+  </a:themeElements>
+  <a:objectDefaults/>
+  <a:extraClrSchemeLst/>
+  <a:extLst>
+    <a:ext uri="{05A4C25C-085E-4340-85A3-A5531E510DB2}">
+      <thm15:themeFamily xmlns:thm15="http://schemas.microsoft.com/office/thememl/2012/main" name="Office Theme 2013 - 2022" id="{62F939B6-93AF-4DB8-9C6B-D6C7DFDC589F}" vid="{4A3C46E8-61CC-4603-A589-7422A47A8E4A}"/>
+    </a:ext>
+  </a:extLst>
+</a:theme>
 </file>